--- a/pre.pptx
+++ b/pre.pptx
@@ -5,7 +5,7 @@
     <p:sldMasterId id="2147483648" r:id="rId1"/>
   </p:sldMasterIdLst>
   <p:notesMasterIdLst>
-    <p:notesMasterId r:id="rId11"/>
+    <p:notesMasterId r:id="rId12"/>
   </p:notesMasterIdLst>
   <p:sldIdLst>
     <p:sldId id="256" r:id="rId2"/>
@@ -14,35 +14,29 @@
     <p:sldId id="259" r:id="rId5"/>
     <p:sldId id="260" r:id="rId6"/>
     <p:sldId id="261" r:id="rId7"/>
-    <p:sldId id="262" r:id="rId8"/>
-    <p:sldId id="263" r:id="rId9"/>
-    <p:sldId id="264" r:id="rId10"/>
+    <p:sldId id="265" r:id="rId8"/>
+    <p:sldId id="262" r:id="rId9"/>
+    <p:sldId id="263" r:id="rId10"/>
+    <p:sldId id="264" r:id="rId11"/>
   </p:sldIdLst>
   <p:sldSz cx="18288000" cy="10287000"/>
   <p:notesSz cx="6858000" cy="9144000"/>
   <p:embeddedFontLst>
     <p:embeddedFont>
       <p:font typeface="Biski" panose="02010600030101010101" charset="-34"/>
-      <p:regular r:id="rId12"/>
+      <p:regular r:id="rId13"/>
     </p:embeddedFont>
     <p:embeddedFont>
       <p:font typeface="Biski Bold" panose="02010600030101010101" charset="-34"/>
-      <p:regular r:id="rId13"/>
+      <p:regular r:id="rId14"/>
     </p:embeddedFont>
     <p:embeddedFont>
       <p:font typeface="Biski Ultra-Bold" panose="02010600030101010101" charset="-34"/>
-      <p:regular r:id="rId14"/>
-    </p:embeddedFont>
-    <p:embeddedFont>
-      <p:font typeface="Calibri" panose="020F0502020204030204" pitchFamily="34" charset="0"/>
       <p:regular r:id="rId15"/>
-      <p:bold r:id="rId16"/>
-      <p:italic r:id="rId17"/>
-      <p:boldItalic r:id="rId18"/>
     </p:embeddedFont>
     <p:embeddedFont>
       <p:font typeface="Funtastic" panose="02010600030101010101" charset="0"/>
-      <p:regular r:id="rId19"/>
+      <p:regular r:id="rId16"/>
     </p:embeddedFont>
   </p:embeddedFontLst>
   <p:defaultTextStyle>
@@ -241,7 +235,7 @@
           <a:p>
             <a:fld id="{B7268E1E-0E44-426D-905E-8AD9B19D2182}" type="datetimeFigureOut">
               <a:rPr lang="cs-CZ" smtClean="0"/>
-              <a:t>24.11.2024</a:t>
+              <a:t>25.11.2024</a:t>
             </a:fld>
             <a:endParaRPr lang="cs-CZ"/>
           </a:p>
@@ -1428,8 +1422,8 @@
         </p:nvSpPr>
         <p:spPr>
           <a:xfrm>
-            <a:off x="2857500" y="512763"/>
-            <a:ext cx="3429000" cy="2566987"/>
+            <a:off x="2290763" y="512763"/>
+            <a:ext cx="4562475" cy="2566987"/>
           </a:xfrm>
           <a:prstGeom prst="rect">
             <a:avLst/>
@@ -1571,6 +1565,297 @@
 </file>
 
 <file path=ppt/notesSlides/notesSlide5.xml><?xml version="1.0" encoding="utf-8"?>
+<p:notes xmlns:a="http://schemas.openxmlformats.org/drawingml/2006/main" xmlns:r="http://schemas.openxmlformats.org/officeDocument/2006/relationships" xmlns:p="http://schemas.openxmlformats.org/presentationml/2006/main">
+  <p:cSld>
+    <p:spTree>
+      <p:nvGrpSpPr>
+        <p:cNvPr id="1" name="">
+          <a:extLst>
+            <a:ext uri="{FF2B5EF4-FFF2-40B4-BE49-F238E27FC236}">
+              <a16:creationId xmlns:a16="http://schemas.microsoft.com/office/drawing/2014/main" id="{C7F6FEEE-1B2A-CB5B-AE9A-45F5AD7408C9}"/>
+            </a:ext>
+          </a:extLst>
+        </p:cNvPr>
+        <p:cNvGrpSpPr/>
+        <p:nvPr/>
+      </p:nvGrpSpPr>
+      <p:grpSpPr>
+        <a:xfrm>
+          <a:off x="0" y="0"/>
+          <a:ext cx="0" cy="0"/>
+          <a:chOff x="0" y="0"/>
+          <a:chExt cx="0" cy="0"/>
+        </a:xfrm>
+      </p:grpSpPr>
+      <p:sp>
+        <p:nvSpPr>
+          <p:cNvPr id="2" name="Header Placeholder 1">
+            <a:extLst>
+              <a:ext uri="{FF2B5EF4-FFF2-40B4-BE49-F238E27FC236}">
+                <a16:creationId xmlns:a16="http://schemas.microsoft.com/office/drawing/2014/main" id="{7A0834C1-CCBA-B45A-688B-9B85D44D45EE}"/>
+              </a:ext>
+            </a:extLst>
+          </p:cNvPr>
+          <p:cNvSpPr>
+            <a:spLocks noGrp="1"/>
+          </p:cNvSpPr>
+          <p:nvPr>
+            <p:ph type="hdr" sz="quarter"/>
+          </p:nvPr>
+        </p:nvSpPr>
+        <p:spPr>
+          <a:xfrm>
+            <a:off x="0" y="0"/>
+            <a:ext cx="3962400" cy="342900"/>
+          </a:xfrm>
+          <a:prstGeom prst="rect">
+            <a:avLst/>
+          </a:prstGeom>
+        </p:spPr>
+        <p:txBody>
+          <a:bodyPr vert="horz" lIns="91440" tIns="45720" rIns="91440" bIns="45720" rtlCol="0"/>
+          <a:lstStyle>
+            <a:lvl1pPr algn="l">
+              <a:defRPr sz="1200"/>
+            </a:lvl1pPr>
+          </a:lstStyle>
+          <a:p>
+            <a:endParaRPr/>
+          </a:p>
+        </p:txBody>
+      </p:sp>
+      <p:sp>
+        <p:nvSpPr>
+          <p:cNvPr id="3" name="Date Placeholder 2">
+            <a:extLst>
+              <a:ext uri="{FF2B5EF4-FFF2-40B4-BE49-F238E27FC236}">
+                <a16:creationId xmlns:a16="http://schemas.microsoft.com/office/drawing/2014/main" id="{8D915C99-A6A0-15B2-ADC4-58EE16EDC083}"/>
+              </a:ext>
+            </a:extLst>
+          </p:cNvPr>
+          <p:cNvSpPr>
+            <a:spLocks noGrp="1"/>
+          </p:cNvSpPr>
+          <p:nvPr>
+            <p:ph type="dt" idx="1"/>
+          </p:nvPr>
+        </p:nvSpPr>
+        <p:spPr>
+          <a:xfrm>
+            <a:off x="5180013" y="0"/>
+            <a:ext cx="3962400" cy="342900"/>
+          </a:xfrm>
+          <a:prstGeom prst="rect">
+            <a:avLst/>
+          </a:prstGeom>
+        </p:spPr>
+        <p:txBody>
+          <a:bodyPr vert="horz" lIns="91440" tIns="45720" rIns="91440" bIns="45720" rtlCol="0"/>
+          <a:lstStyle>
+            <a:lvl1pPr algn="r">
+              <a:defRPr sz="1200"/>
+            </a:lvl1pPr>
+          </a:lstStyle>
+          <a:p>
+            <a:r>
+              <a:rPr lang="cs-CZ"/>
+              <a:t>1.7.2013</a:t>
+            </a:r>
+          </a:p>
+        </p:txBody>
+      </p:sp>
+      <p:sp>
+        <p:nvSpPr>
+          <p:cNvPr id="4" name="Slide Image Placeholder 3">
+            <a:extLst>
+              <a:ext uri="{FF2B5EF4-FFF2-40B4-BE49-F238E27FC236}">
+                <a16:creationId xmlns:a16="http://schemas.microsoft.com/office/drawing/2014/main" id="{C8F8959B-52D3-5A64-EF73-48974B1F475C}"/>
+              </a:ext>
+            </a:extLst>
+          </p:cNvPr>
+          <p:cNvSpPr>
+            <a:spLocks noGrp="1" noRot="1" noChangeAspect="1"/>
+          </p:cNvSpPr>
+          <p:nvPr>
+            <p:ph type="sldImg" idx="2"/>
+          </p:nvPr>
+        </p:nvSpPr>
+        <p:spPr>
+          <a:xfrm>
+            <a:off x="2290763" y="512763"/>
+            <a:ext cx="4562475" cy="2566987"/>
+          </a:xfrm>
+          <a:prstGeom prst="rect">
+            <a:avLst/>
+          </a:prstGeom>
+          <a:noFill/>
+          <a:ln w="12700">
+            <a:solidFill>
+              <a:prstClr val="black"/>
+            </a:solidFill>
+          </a:ln>
+        </p:spPr>
+        <p:txBody>
+          <a:bodyPr vert="horz" lIns="91440" tIns="45720" rIns="91440" bIns="45720" rtlCol="0" anchor="ctr"/>
+          <a:lstStyle/>
+          <a:p>
+            <a:endParaRPr/>
+          </a:p>
+        </p:txBody>
+      </p:sp>
+      <p:sp>
+        <p:nvSpPr>
+          <p:cNvPr id="5" name="Notes Placeholder 4">
+            <a:extLst>
+              <a:ext uri="{FF2B5EF4-FFF2-40B4-BE49-F238E27FC236}">
+                <a16:creationId xmlns:a16="http://schemas.microsoft.com/office/drawing/2014/main" id="{D56D65F6-893A-4239-9F22-6978F3BD27C8}"/>
+              </a:ext>
+            </a:extLst>
+          </p:cNvPr>
+          <p:cNvSpPr>
+            <a:spLocks noGrp="1"/>
+          </p:cNvSpPr>
+          <p:nvPr>
+            <p:ph type="body" sz="quarter" idx="3"/>
+          </p:nvPr>
+        </p:nvSpPr>
+        <p:spPr>
+          <a:xfrm>
+            <a:off x="914400" y="3251200"/>
+            <a:ext cx="7315200" cy="3081338"/>
+          </a:xfrm>
+          <a:prstGeom prst="rect">
+            <a:avLst/>
+          </a:prstGeom>
+        </p:spPr>
+        <p:txBody>
+          <a:bodyPr vert="horz" lIns="91440" tIns="45720" rIns="91440" bIns="45720" rtlCol="0"/>
+          <a:lstStyle/>
+          <a:p>
+            <a:r>
+              <a:rPr lang="en-US" dirty="0"/>
+              <a:t>This map shows the existing toy stores in </a:t>
+            </a:r>
+            <a:r>
+              <a:rPr lang="en-US" dirty="0" err="1"/>
+              <a:t>Davisville</a:t>
+            </a:r>
+            <a:r>
+              <a:rPr lang="en-US" dirty="0"/>
+              <a:t>. </a:t>
+            </a:r>
+          </a:p>
+          <a:p>
+            <a:endParaRPr lang="en-US" dirty="0"/>
+          </a:p>
+          <a:p>
+            <a:r>
+              <a:rPr lang="en-US"/>
+              <a:t>The current existing toy stores are located on two main streets. </a:t>
+            </a:r>
+          </a:p>
+          <a:p>
+            <a:endParaRPr lang="en-US" dirty="0"/>
+          </a:p>
+          <a:p>
+            <a:r>
+              <a:rPr lang="en-US" dirty="0"/>
+              <a:t>Thus, to avoid severe competition with existing toy stores and to better serve the needs of nearby potential customers, we suggest that the new toy store can be located at the middle of Yonge Street, or the north part of Mount Pleasant Road. </a:t>
+            </a:r>
+          </a:p>
+        </p:txBody>
+      </p:sp>
+      <p:sp>
+        <p:nvSpPr>
+          <p:cNvPr id="6" name="Footer Placeholder 5">
+            <a:extLst>
+              <a:ext uri="{FF2B5EF4-FFF2-40B4-BE49-F238E27FC236}">
+                <a16:creationId xmlns:a16="http://schemas.microsoft.com/office/drawing/2014/main" id="{1FF270A6-8172-44DA-F0C8-0F08597A0082}"/>
+              </a:ext>
+            </a:extLst>
+          </p:cNvPr>
+          <p:cNvSpPr>
+            <a:spLocks noGrp="1"/>
+          </p:cNvSpPr>
+          <p:nvPr>
+            <p:ph type="ftr" sz="quarter" idx="4"/>
+          </p:nvPr>
+        </p:nvSpPr>
+        <p:spPr>
+          <a:xfrm>
+            <a:off x="0" y="6502400"/>
+            <a:ext cx="3962400" cy="341313"/>
+          </a:xfrm>
+          <a:prstGeom prst="rect">
+            <a:avLst/>
+          </a:prstGeom>
+        </p:spPr>
+        <p:txBody>
+          <a:bodyPr vert="horz" lIns="91440" tIns="45720" rIns="91440" bIns="45720" rtlCol="0" anchor="b"/>
+          <a:lstStyle>
+            <a:lvl1pPr algn="l">
+              <a:defRPr sz="1200"/>
+            </a:lvl1pPr>
+          </a:lstStyle>
+          <a:p>
+            <a:endParaRPr/>
+          </a:p>
+        </p:txBody>
+      </p:sp>
+      <p:sp>
+        <p:nvSpPr>
+          <p:cNvPr id="7" name="Slide Number Placeholder 6">
+            <a:extLst>
+              <a:ext uri="{FF2B5EF4-FFF2-40B4-BE49-F238E27FC236}">
+                <a16:creationId xmlns:a16="http://schemas.microsoft.com/office/drawing/2014/main" id="{D080DC96-C7EF-B776-016B-B7C054094959}"/>
+              </a:ext>
+            </a:extLst>
+          </p:cNvPr>
+          <p:cNvSpPr>
+            <a:spLocks noGrp="1"/>
+          </p:cNvSpPr>
+          <p:nvPr>
+            <p:ph type="sldNum" sz="quarter" idx="5"/>
+          </p:nvPr>
+        </p:nvSpPr>
+        <p:spPr>
+          <a:xfrm>
+            <a:off x="5180013" y="6502400"/>
+            <a:ext cx="3962400" cy="341313"/>
+          </a:xfrm>
+          <a:prstGeom prst="rect">
+            <a:avLst/>
+          </a:prstGeom>
+        </p:spPr>
+        <p:txBody>
+          <a:bodyPr vert="horz" lIns="91440" tIns="45720" rIns="91440" bIns="45720" rtlCol="0" anchor="b"/>
+          <a:lstStyle>
+            <a:lvl1pPr algn="r">
+              <a:defRPr sz="1200"/>
+            </a:lvl1pPr>
+          </a:lstStyle>
+          <a:p>
+            <a:r>
+              <a:rPr lang="cs-CZ"/>
+              <a:t>‹#›</a:t>
+            </a:r>
+          </a:p>
+        </p:txBody>
+      </p:sp>
+    </p:spTree>
+    <p:extLst>
+      <p:ext uri="{BB962C8B-B14F-4D97-AF65-F5344CB8AC3E}">
+        <p14:creationId xmlns:p14="http://schemas.microsoft.com/office/powerpoint/2010/main" val="2534938907"/>
+      </p:ext>
+    </p:extLst>
+  </p:cSld>
+  <p:clrMapOvr>
+    <a:masterClrMapping/>
+  </p:clrMapOvr>
+</p:notes>
+</file>
+
+<file path=ppt/notesSlides/notesSlide6.xml><?xml version="1.0" encoding="utf-8"?>
 <p:notes xmlns:a="http://schemas.openxmlformats.org/drawingml/2006/main" xmlns:r="http://schemas.openxmlformats.org/officeDocument/2006/relationships" xmlns:p="http://schemas.openxmlformats.org/presentationml/2006/main">
   <p:cSld>
     <p:spTree>
@@ -1664,8 +1949,8 @@
         </p:nvSpPr>
         <p:spPr>
           <a:xfrm>
-            <a:off x="2857500" y="512763"/>
-            <a:ext cx="3429000" cy="2566987"/>
+            <a:off x="2290763" y="512763"/>
+            <a:ext cx="4562475" cy="2566987"/>
           </a:xfrm>
           <a:prstGeom prst="rect">
             <a:avLst/>
@@ -1995,7 +2280,7 @@
             <a:fld id="{1D8BD707-D9CF-40AE-B4C6-C98DA3205C09}" type="datetimeFigureOut">
               <a:rPr lang="en-US" smtClean="0"/>
               <a:pPr/>
-              <a:t>11/24/2024</a:t>
+              <a:t>11/25/2024</a:t>
             </a:fld>
             <a:endParaRPr lang="en-US"/>
           </a:p>
@@ -2160,7 +2445,7 @@
             <a:fld id="{1D8BD707-D9CF-40AE-B4C6-C98DA3205C09}" type="datetimeFigureOut">
               <a:rPr lang="en-US" smtClean="0"/>
               <a:pPr/>
-              <a:t>11/24/2024</a:t>
+              <a:t>11/25/2024</a:t>
             </a:fld>
             <a:endParaRPr lang="en-US"/>
           </a:p>
@@ -2335,7 +2620,7 @@
             <a:fld id="{1D8BD707-D9CF-40AE-B4C6-C98DA3205C09}" type="datetimeFigureOut">
               <a:rPr lang="en-US" smtClean="0"/>
               <a:pPr/>
-              <a:t>11/24/2024</a:t>
+              <a:t>11/25/2024</a:t>
             </a:fld>
             <a:endParaRPr lang="en-US"/>
           </a:p>
@@ -2500,7 +2785,7 @@
             <a:fld id="{1D8BD707-D9CF-40AE-B4C6-C98DA3205C09}" type="datetimeFigureOut">
               <a:rPr lang="en-US" smtClean="0"/>
               <a:pPr/>
-              <a:t>11/24/2024</a:t>
+              <a:t>11/25/2024</a:t>
             </a:fld>
             <a:endParaRPr lang="en-US"/>
           </a:p>
@@ -2742,7 +3027,7 @@
             <a:fld id="{1D8BD707-D9CF-40AE-B4C6-C98DA3205C09}" type="datetimeFigureOut">
               <a:rPr lang="en-US" smtClean="0"/>
               <a:pPr/>
-              <a:t>11/24/2024</a:t>
+              <a:t>11/25/2024</a:t>
             </a:fld>
             <a:endParaRPr lang="en-US"/>
           </a:p>
@@ -3024,7 +3309,7 @@
             <a:fld id="{1D8BD707-D9CF-40AE-B4C6-C98DA3205C09}" type="datetimeFigureOut">
               <a:rPr lang="en-US" smtClean="0"/>
               <a:pPr/>
-              <a:t>11/24/2024</a:t>
+              <a:t>11/25/2024</a:t>
             </a:fld>
             <a:endParaRPr lang="en-US"/>
           </a:p>
@@ -3440,7 +3725,7 @@
             <a:fld id="{1D8BD707-D9CF-40AE-B4C6-C98DA3205C09}" type="datetimeFigureOut">
               <a:rPr lang="en-US" smtClean="0"/>
               <a:pPr/>
-              <a:t>11/24/2024</a:t>
+              <a:t>11/25/2024</a:t>
             </a:fld>
             <a:endParaRPr lang="en-US"/>
           </a:p>
@@ -3554,7 +3839,7 @@
             <a:fld id="{1D8BD707-D9CF-40AE-B4C6-C98DA3205C09}" type="datetimeFigureOut">
               <a:rPr lang="en-US" smtClean="0"/>
               <a:pPr/>
-              <a:t>11/24/2024</a:t>
+              <a:t>11/25/2024</a:t>
             </a:fld>
             <a:endParaRPr lang="en-US"/>
           </a:p>
@@ -3646,7 +3931,7 @@
             <a:fld id="{1D8BD707-D9CF-40AE-B4C6-C98DA3205C09}" type="datetimeFigureOut">
               <a:rPr lang="en-US" smtClean="0"/>
               <a:pPr/>
-              <a:t>11/24/2024</a:t>
+              <a:t>11/25/2024</a:t>
             </a:fld>
             <a:endParaRPr lang="en-US"/>
           </a:p>
@@ -3918,7 +4203,7 @@
             <a:fld id="{1D8BD707-D9CF-40AE-B4C6-C98DA3205C09}" type="datetimeFigureOut">
               <a:rPr lang="en-US" smtClean="0"/>
               <a:pPr/>
-              <a:t>11/24/2024</a:t>
+              <a:t>11/25/2024</a:t>
             </a:fld>
             <a:endParaRPr lang="en-US"/>
           </a:p>
@@ -4167,7 +4452,7 @@
             <a:fld id="{1D8BD707-D9CF-40AE-B4C6-C98DA3205C09}" type="datetimeFigureOut">
               <a:rPr lang="en-US" smtClean="0"/>
               <a:pPr/>
-              <a:t>11/24/2024</a:t>
+              <a:t>11/25/2024</a:t>
             </a:fld>
             <a:endParaRPr lang="en-US"/>
           </a:p>
@@ -4375,7 +4660,7 @@
             <a:fld id="{1D8BD707-D9CF-40AE-B4C6-C98DA3205C09}" type="datetimeFigureOut">
               <a:rPr lang="en-US" smtClean="0"/>
               <a:pPr/>
-              <a:t>11/24/2024</a:t>
+              <a:t>11/25/2024</a:t>
             </a:fld>
             <a:endParaRPr lang="en-US"/>
           </a:p>
@@ -4805,6 +5090,13 @@
             </a:stretch>
           </a:blipFill>
         </p:spPr>
+        <p:txBody>
+          <a:bodyPr/>
+          <a:lstStyle/>
+          <a:p>
+            <a:endParaRPr lang="zh-CN" altLang="en-US"/>
+          </a:p>
+        </p:txBody>
       </p:sp>
       <p:grpSp>
         <p:nvGrpSpPr>
@@ -4871,6 +5163,13 @@
               </a:stretch>
             </a:blipFill>
           </p:spPr>
+          <p:txBody>
+            <a:bodyPr/>
+            <a:lstStyle/>
+            <a:p>
+              <a:endParaRPr lang="zh-CN" altLang="en-US"/>
+            </a:p>
+          </p:txBody>
         </p:sp>
         <p:sp>
           <p:nvSpPr>
@@ -4923,6 +5222,13 @@
               </a:stretch>
             </a:blipFill>
           </p:spPr>
+          <p:txBody>
+            <a:bodyPr/>
+            <a:lstStyle/>
+            <a:p>
+              <a:endParaRPr lang="zh-CN" altLang="en-US"/>
+            </a:p>
+          </p:txBody>
         </p:sp>
       </p:grpSp>
       <p:sp>
@@ -4977,6 +5283,13 @@
             </a:stretch>
           </a:blipFill>
         </p:spPr>
+        <p:txBody>
+          <a:bodyPr/>
+          <a:lstStyle/>
+          <a:p>
+            <a:endParaRPr lang="zh-CN" altLang="en-US"/>
+          </a:p>
+        </p:txBody>
       </p:sp>
       <p:sp>
         <p:nvSpPr>
@@ -5066,7 +5379,7 @@
         <p:spPr>
           <a:xfrm>
             <a:off x="5738891" y="6258424"/>
-            <a:ext cx="6743583" cy="856615"/>
+            <a:ext cx="6743583" cy="1231106"/>
           </a:xfrm>
           <a:prstGeom prst="rect">
             <a:avLst/>
@@ -5084,7 +5397,7 @@
               </a:lnSpc>
             </a:pPr>
             <a:r>
-              <a:rPr lang="en-US" sz="3399">
+              <a:rPr lang="en-US" sz="3399" dirty="0">
                 <a:solidFill>
                   <a:srgbClr val="291B25"/>
                 </a:solidFill>
@@ -5093,7 +5406,50 @@
                 <a:cs typeface="Biski"/>
                 <a:sym typeface="Biski"/>
               </a:rPr>
-              <a:t>by xxx</a:t>
+              <a:t>Yunqian Cao</a:t>
+            </a:r>
+          </a:p>
+          <a:p>
+            <a:pPr algn="ctr">
+              <a:lnSpc>
+                <a:spcPts val="4759"/>
+              </a:lnSpc>
+            </a:pPr>
+            <a:r>
+              <a:rPr lang="en-US" sz="3399" dirty="0">
+                <a:solidFill>
+                  <a:srgbClr val="291B25"/>
+                </a:solidFill>
+                <a:latin typeface="Biski"/>
+                <a:ea typeface="Biski"/>
+                <a:cs typeface="Biski"/>
+                <a:sym typeface="Biski"/>
+              </a:rPr>
+              <a:t>Stanley (</a:t>
+            </a:r>
+            <a:r>
+              <a:rPr lang="en-US" sz="3399" dirty="0" err="1">
+                <a:solidFill>
+                  <a:srgbClr val="291B25"/>
+                </a:solidFill>
+                <a:latin typeface="Biski"/>
+                <a:ea typeface="Biski"/>
+                <a:cs typeface="Biski"/>
+                <a:sym typeface="Biski"/>
+              </a:rPr>
+              <a:t>Zhengpeng</a:t>
+            </a:r>
+            <a:r>
+              <a:rPr lang="en-US" sz="3399" dirty="0">
+                <a:solidFill>
+                  <a:srgbClr val="291B25"/>
+                </a:solidFill>
+                <a:latin typeface="Biski"/>
+                <a:ea typeface="Biski"/>
+                <a:cs typeface="Biski"/>
+                <a:sym typeface="Biski"/>
+              </a:rPr>
+              <a:t>) Gong</a:t>
             </a:r>
           </a:p>
         </p:txBody>
@@ -5149,6 +5505,674 @@
             </a:stretch>
           </a:blipFill>
         </p:spPr>
+        <p:txBody>
+          <a:bodyPr/>
+          <a:lstStyle/>
+          <a:p>
+            <a:endParaRPr lang="zh-CN" altLang="en-US"/>
+          </a:p>
+        </p:txBody>
+      </p:sp>
+    </p:spTree>
+  </p:cSld>
+  <p:clrMapOvr>
+    <a:masterClrMapping/>
+  </p:clrMapOvr>
+</p:sld>
+</file>
+
+<file path=ppt/slides/slide10.xml><?xml version="1.0" encoding="utf-8"?>
+<p:sld xmlns:a="http://schemas.openxmlformats.org/drawingml/2006/main" xmlns:r="http://schemas.openxmlformats.org/officeDocument/2006/relationships" xmlns:p="http://schemas.openxmlformats.org/presentationml/2006/main">
+  <p:cSld>
+    <p:bg>
+      <p:bgPr>
+        <a:solidFill>
+          <a:srgbClr val="F6F6E9"/>
+        </a:solidFill>
+        <a:effectLst/>
+      </p:bgPr>
+    </p:bg>
+    <p:spTree>
+      <p:nvGrpSpPr>
+        <p:cNvPr id="1" name=""/>
+        <p:cNvGrpSpPr/>
+        <p:nvPr/>
+      </p:nvGrpSpPr>
+      <p:grpSpPr>
+        <a:xfrm>
+          <a:off x="0" y="0"/>
+          <a:ext cx="0" cy="0"/>
+          <a:chOff x="0" y="0"/>
+          <a:chExt cx="0" cy="0"/>
+        </a:xfrm>
+      </p:grpSpPr>
+      <p:grpSp>
+        <p:nvGrpSpPr>
+          <p:cNvPr id="2" name="Group 2"/>
+          <p:cNvGrpSpPr/>
+          <p:nvPr/>
+        </p:nvGrpSpPr>
+        <p:grpSpPr>
+          <a:xfrm>
+            <a:off x="-578633" y="8532789"/>
+            <a:ext cx="19378631" cy="3618302"/>
+            <a:chOff x="0" y="0"/>
+            <a:chExt cx="25838175" cy="4824403"/>
+          </a:xfrm>
+        </p:grpSpPr>
+        <p:sp>
+          <p:nvSpPr>
+            <p:cNvPr id="3" name="Freeform 3"/>
+            <p:cNvSpPr/>
+            <p:nvPr/>
+          </p:nvSpPr>
+          <p:spPr>
+            <a:xfrm>
+              <a:off x="0" y="0"/>
+              <a:ext cx="13677431" cy="4824403"/>
+            </a:xfrm>
+            <a:custGeom>
+              <a:avLst/>
+              <a:gdLst/>
+              <a:ahLst/>
+              <a:cxnLst/>
+              <a:rect l="l" t="t" r="r" b="b"/>
+              <a:pathLst>
+                <a:path w="13677431" h="4824403">
+                  <a:moveTo>
+                    <a:pt x="0" y="0"/>
+                  </a:moveTo>
+                  <a:lnTo>
+                    <a:pt x="13677431" y="0"/>
+                  </a:lnTo>
+                  <a:lnTo>
+                    <a:pt x="13677431" y="4824403"/>
+                  </a:lnTo>
+                  <a:lnTo>
+                    <a:pt x="0" y="4824403"/>
+                  </a:lnTo>
+                  <a:lnTo>
+                    <a:pt x="0" y="0"/>
+                  </a:lnTo>
+                  <a:close/>
+                </a:path>
+              </a:pathLst>
+            </a:custGeom>
+            <a:blipFill>
+              <a:blip r:embed="rId2">
+                <a:extLst>
+                  <a:ext uri="{96DAC541-7B7A-43D3-8B79-37D633B846F1}">
+                    <asvg:svgBlip xmlns:asvg="http://schemas.microsoft.com/office/drawing/2016/SVG/main" r:embed="rId3"/>
+                  </a:ext>
+                </a:extLst>
+              </a:blip>
+              <a:stretch>
+                <a:fillRect/>
+              </a:stretch>
+            </a:blipFill>
+          </p:spPr>
+          <p:txBody>
+            <a:bodyPr/>
+            <a:lstStyle/>
+            <a:p>
+              <a:endParaRPr lang="zh-CN" altLang="en-US"/>
+            </a:p>
+          </p:txBody>
+        </p:sp>
+        <p:sp>
+          <p:nvSpPr>
+            <p:cNvPr id="4" name="Freeform 4"/>
+            <p:cNvSpPr/>
+            <p:nvPr/>
+          </p:nvSpPr>
+          <p:spPr>
+            <a:xfrm>
+              <a:off x="12844807" y="0"/>
+              <a:ext cx="12993368" cy="4824403"/>
+            </a:xfrm>
+            <a:custGeom>
+              <a:avLst/>
+              <a:gdLst/>
+              <a:ahLst/>
+              <a:cxnLst/>
+              <a:rect l="l" t="t" r="r" b="b"/>
+              <a:pathLst>
+                <a:path w="12993368" h="4824403">
+                  <a:moveTo>
+                    <a:pt x="0" y="0"/>
+                  </a:moveTo>
+                  <a:lnTo>
+                    <a:pt x="12993368" y="0"/>
+                  </a:lnTo>
+                  <a:lnTo>
+                    <a:pt x="12993368" y="4824403"/>
+                  </a:lnTo>
+                  <a:lnTo>
+                    <a:pt x="0" y="4824403"/>
+                  </a:lnTo>
+                  <a:lnTo>
+                    <a:pt x="0" y="0"/>
+                  </a:lnTo>
+                  <a:close/>
+                </a:path>
+              </a:pathLst>
+            </a:custGeom>
+            <a:blipFill>
+              <a:blip r:embed="rId2">
+                <a:extLst>
+                  <a:ext uri="{96DAC541-7B7A-43D3-8B79-37D633B846F1}">
+                    <asvg:svgBlip xmlns:asvg="http://schemas.microsoft.com/office/drawing/2016/SVG/main" r:embed="rId3"/>
+                  </a:ext>
+                </a:extLst>
+              </a:blip>
+              <a:stretch>
+                <a:fillRect l="-5264"/>
+              </a:stretch>
+            </a:blipFill>
+          </p:spPr>
+          <p:txBody>
+            <a:bodyPr/>
+            <a:lstStyle/>
+            <a:p>
+              <a:endParaRPr lang="zh-CN" altLang="en-US"/>
+            </a:p>
+          </p:txBody>
+        </p:sp>
+      </p:grpSp>
+      <p:grpSp>
+        <p:nvGrpSpPr>
+          <p:cNvPr id="5" name="Group 5"/>
+          <p:cNvGrpSpPr/>
+          <p:nvPr/>
+        </p:nvGrpSpPr>
+        <p:grpSpPr>
+          <a:xfrm rot="-10800000">
+            <a:off x="-578633" y="-1809151"/>
+            <a:ext cx="19378631" cy="3618302"/>
+            <a:chOff x="0" y="0"/>
+            <a:chExt cx="25838175" cy="4824403"/>
+          </a:xfrm>
+        </p:grpSpPr>
+        <p:sp>
+          <p:nvSpPr>
+            <p:cNvPr id="6" name="Freeform 6"/>
+            <p:cNvSpPr/>
+            <p:nvPr/>
+          </p:nvSpPr>
+          <p:spPr>
+            <a:xfrm>
+              <a:off x="0" y="0"/>
+              <a:ext cx="13677431" cy="4824403"/>
+            </a:xfrm>
+            <a:custGeom>
+              <a:avLst/>
+              <a:gdLst/>
+              <a:ahLst/>
+              <a:cxnLst/>
+              <a:rect l="l" t="t" r="r" b="b"/>
+              <a:pathLst>
+                <a:path w="13677431" h="4824403">
+                  <a:moveTo>
+                    <a:pt x="0" y="0"/>
+                  </a:moveTo>
+                  <a:lnTo>
+                    <a:pt x="13677431" y="0"/>
+                  </a:lnTo>
+                  <a:lnTo>
+                    <a:pt x="13677431" y="4824403"/>
+                  </a:lnTo>
+                  <a:lnTo>
+                    <a:pt x="0" y="4824403"/>
+                  </a:lnTo>
+                  <a:lnTo>
+                    <a:pt x="0" y="0"/>
+                  </a:lnTo>
+                  <a:close/>
+                </a:path>
+              </a:pathLst>
+            </a:custGeom>
+            <a:blipFill>
+              <a:blip r:embed="rId4">
+                <a:extLst>
+                  <a:ext uri="{96DAC541-7B7A-43D3-8B79-37D633B846F1}">
+                    <asvg:svgBlip xmlns:asvg="http://schemas.microsoft.com/office/drawing/2016/SVG/main" r:embed="rId5"/>
+                  </a:ext>
+                </a:extLst>
+              </a:blip>
+              <a:stretch>
+                <a:fillRect/>
+              </a:stretch>
+            </a:blipFill>
+          </p:spPr>
+          <p:txBody>
+            <a:bodyPr/>
+            <a:lstStyle/>
+            <a:p>
+              <a:endParaRPr lang="zh-CN" altLang="en-US"/>
+            </a:p>
+          </p:txBody>
+        </p:sp>
+        <p:sp>
+          <p:nvSpPr>
+            <p:cNvPr id="7" name="Freeform 7"/>
+            <p:cNvSpPr/>
+            <p:nvPr/>
+          </p:nvSpPr>
+          <p:spPr>
+            <a:xfrm>
+              <a:off x="12844807" y="0"/>
+              <a:ext cx="12993368" cy="4824403"/>
+            </a:xfrm>
+            <a:custGeom>
+              <a:avLst/>
+              <a:gdLst/>
+              <a:ahLst/>
+              <a:cxnLst/>
+              <a:rect l="l" t="t" r="r" b="b"/>
+              <a:pathLst>
+                <a:path w="12993368" h="4824403">
+                  <a:moveTo>
+                    <a:pt x="0" y="0"/>
+                  </a:moveTo>
+                  <a:lnTo>
+                    <a:pt x="12993368" y="0"/>
+                  </a:lnTo>
+                  <a:lnTo>
+                    <a:pt x="12993368" y="4824403"/>
+                  </a:lnTo>
+                  <a:lnTo>
+                    <a:pt x="0" y="4824403"/>
+                  </a:lnTo>
+                  <a:lnTo>
+                    <a:pt x="0" y="0"/>
+                  </a:lnTo>
+                  <a:close/>
+                </a:path>
+              </a:pathLst>
+            </a:custGeom>
+            <a:blipFill>
+              <a:blip r:embed="rId4">
+                <a:extLst>
+                  <a:ext uri="{96DAC541-7B7A-43D3-8B79-37D633B846F1}">
+                    <asvg:svgBlip xmlns:asvg="http://schemas.microsoft.com/office/drawing/2016/SVG/main" r:embed="rId5"/>
+                  </a:ext>
+                </a:extLst>
+              </a:blip>
+              <a:stretch>
+                <a:fillRect l="-5264"/>
+              </a:stretch>
+            </a:blipFill>
+          </p:spPr>
+          <p:txBody>
+            <a:bodyPr/>
+            <a:lstStyle/>
+            <a:p>
+              <a:endParaRPr lang="zh-CN" altLang="en-US"/>
+            </a:p>
+          </p:txBody>
+        </p:sp>
+      </p:grpSp>
+      <p:sp>
+        <p:nvSpPr>
+          <p:cNvPr id="8" name="Freeform 8"/>
+          <p:cNvSpPr/>
+          <p:nvPr/>
+        </p:nvSpPr>
+        <p:spPr>
+          <a:xfrm rot="-665462">
+            <a:off x="1406529" y="3764793"/>
+            <a:ext cx="1062354" cy="797731"/>
+          </a:xfrm>
+          <a:custGeom>
+            <a:avLst/>
+            <a:gdLst/>
+            <a:ahLst/>
+            <a:cxnLst/>
+            <a:rect l="l" t="t" r="r" b="b"/>
+            <a:pathLst>
+              <a:path w="1062354" h="797731">
+                <a:moveTo>
+                  <a:pt x="0" y="0"/>
+                </a:moveTo>
+                <a:lnTo>
+                  <a:pt x="1062354" y="0"/>
+                </a:lnTo>
+                <a:lnTo>
+                  <a:pt x="1062354" y="797731"/>
+                </a:lnTo>
+                <a:lnTo>
+                  <a:pt x="0" y="797731"/>
+                </a:lnTo>
+                <a:lnTo>
+                  <a:pt x="0" y="0"/>
+                </a:lnTo>
+                <a:close/>
+              </a:path>
+            </a:pathLst>
+          </a:custGeom>
+          <a:blipFill>
+            <a:blip r:embed="rId6">
+              <a:extLst>
+                <a:ext uri="{96DAC541-7B7A-43D3-8B79-37D633B846F1}">
+                  <asvg:svgBlip xmlns:asvg="http://schemas.microsoft.com/office/drawing/2016/SVG/main" r:embed="rId7"/>
+                </a:ext>
+              </a:extLst>
+            </a:blip>
+            <a:stretch>
+              <a:fillRect/>
+            </a:stretch>
+          </a:blipFill>
+        </p:spPr>
+        <p:txBody>
+          <a:bodyPr/>
+          <a:lstStyle/>
+          <a:p>
+            <a:endParaRPr lang="zh-CN" altLang="en-US"/>
+          </a:p>
+        </p:txBody>
+      </p:sp>
+      <p:sp>
+        <p:nvSpPr>
+          <p:cNvPr id="9" name="TextBox 9"/>
+          <p:cNvSpPr txBox="1"/>
+          <p:nvPr/>
+        </p:nvSpPr>
+        <p:spPr>
+          <a:xfrm>
+            <a:off x="1028700" y="4543147"/>
+            <a:ext cx="7162401" cy="1514016"/>
+          </a:xfrm>
+          <a:prstGeom prst="rect">
+            <a:avLst/>
+          </a:prstGeom>
+        </p:spPr>
+        <p:txBody>
+          <a:bodyPr lIns="0" tIns="0" rIns="0" bIns="0" rtlCol="0" anchor="t">
+            <a:spAutoFit/>
+          </a:bodyPr>
+          <a:lstStyle/>
+          <a:p>
+            <a:pPr algn="ctr">
+              <a:lnSpc>
+                <a:spcPts val="10018"/>
+              </a:lnSpc>
+            </a:pPr>
+            <a:r>
+              <a:rPr lang="en-US" sz="9726">
+                <a:solidFill>
+                  <a:srgbClr val="000000"/>
+                </a:solidFill>
+                <a:latin typeface="Funtastic"/>
+                <a:ea typeface="Funtastic"/>
+                <a:cs typeface="Funtastic"/>
+                <a:sym typeface="Funtastic"/>
+              </a:rPr>
+              <a:t>CONCLUSION</a:t>
+            </a:r>
+          </a:p>
+        </p:txBody>
+      </p:sp>
+      <p:sp>
+        <p:nvSpPr>
+          <p:cNvPr id="10" name="TextBox 10"/>
+          <p:cNvSpPr txBox="1"/>
+          <p:nvPr/>
+        </p:nvSpPr>
+        <p:spPr>
+          <a:xfrm>
+            <a:off x="9144000" y="2308658"/>
+            <a:ext cx="2195774" cy="856615"/>
+          </a:xfrm>
+          <a:prstGeom prst="rect">
+            <a:avLst/>
+          </a:prstGeom>
+        </p:spPr>
+        <p:txBody>
+          <a:bodyPr lIns="0" tIns="0" rIns="0" bIns="0" rtlCol="0" anchor="t">
+            <a:spAutoFit/>
+          </a:bodyPr>
+          <a:lstStyle/>
+          <a:p>
+            <a:pPr algn="l">
+              <a:lnSpc>
+                <a:spcPts val="4759"/>
+              </a:lnSpc>
+            </a:pPr>
+            <a:r>
+              <a:rPr lang="en-US" sz="3399" b="1">
+                <a:solidFill>
+                  <a:srgbClr val="291B25"/>
+                </a:solidFill>
+                <a:latin typeface="Biski Bold"/>
+                <a:ea typeface="Biski Bold"/>
+                <a:cs typeface="Biski Bold"/>
+                <a:sym typeface="Biski Bold"/>
+              </a:rPr>
+              <a:t>Insights</a:t>
+            </a:r>
+          </a:p>
+        </p:txBody>
+      </p:sp>
+      <p:sp>
+        <p:nvSpPr>
+          <p:cNvPr id="11" name="TextBox 11"/>
+          <p:cNvSpPr txBox="1"/>
+          <p:nvPr/>
+        </p:nvSpPr>
+        <p:spPr>
+          <a:xfrm>
+            <a:off x="9110682" y="2908098"/>
+            <a:ext cx="7633521" cy="1295400"/>
+          </a:xfrm>
+          <a:prstGeom prst="rect">
+            <a:avLst/>
+          </a:prstGeom>
+        </p:spPr>
+        <p:txBody>
+          <a:bodyPr lIns="0" tIns="0" rIns="0" bIns="0" rtlCol="0" anchor="t">
+            <a:spAutoFit/>
+          </a:bodyPr>
+          <a:lstStyle/>
+          <a:p>
+            <a:pPr algn="l">
+              <a:lnSpc>
+                <a:spcPts val="4200"/>
+              </a:lnSpc>
+            </a:pPr>
+            <a:r>
+              <a:rPr lang="en-US" sz="3000">
+                <a:solidFill>
+                  <a:srgbClr val="291B25"/>
+                </a:solidFill>
+                <a:latin typeface="Biski"/>
+                <a:ea typeface="Biski"/>
+                <a:cs typeface="Biski"/>
+                <a:sym typeface="Biski"/>
+              </a:rPr>
+              <a:t>Profitable, but fierce competition</a:t>
+            </a:r>
+          </a:p>
+          <a:p>
+            <a:pPr algn="l">
+              <a:lnSpc>
+                <a:spcPts val="4200"/>
+              </a:lnSpc>
+            </a:pPr>
+            <a:endParaRPr lang="en-US" sz="3000">
+              <a:solidFill>
+                <a:srgbClr val="291B25"/>
+              </a:solidFill>
+              <a:latin typeface="Biski"/>
+              <a:ea typeface="Biski"/>
+              <a:cs typeface="Biski"/>
+              <a:sym typeface="Biski"/>
+            </a:endParaRPr>
+          </a:p>
+        </p:txBody>
+      </p:sp>
+      <p:sp>
+        <p:nvSpPr>
+          <p:cNvPr id="12" name="TextBox 12"/>
+          <p:cNvSpPr txBox="1"/>
+          <p:nvPr/>
+        </p:nvSpPr>
+        <p:spPr>
+          <a:xfrm>
+            <a:off x="9110682" y="3908223"/>
+            <a:ext cx="4034250" cy="856615"/>
+          </a:xfrm>
+          <a:prstGeom prst="rect">
+            <a:avLst/>
+          </a:prstGeom>
+        </p:spPr>
+        <p:txBody>
+          <a:bodyPr lIns="0" tIns="0" rIns="0" bIns="0" rtlCol="0" anchor="t">
+            <a:spAutoFit/>
+          </a:bodyPr>
+          <a:lstStyle/>
+          <a:p>
+            <a:pPr algn="l">
+              <a:lnSpc>
+                <a:spcPts val="4759"/>
+              </a:lnSpc>
+            </a:pPr>
+            <a:r>
+              <a:rPr lang="en-US" sz="3399" b="1">
+                <a:solidFill>
+                  <a:srgbClr val="291B25"/>
+                </a:solidFill>
+                <a:latin typeface="Biski Bold"/>
+                <a:ea typeface="Biski Bold"/>
+                <a:cs typeface="Biski Bold"/>
+                <a:sym typeface="Biski Bold"/>
+              </a:rPr>
+              <a:t>Location</a:t>
+            </a:r>
+          </a:p>
+        </p:txBody>
+      </p:sp>
+      <p:sp>
+        <p:nvSpPr>
+          <p:cNvPr id="13" name="TextBox 13"/>
+          <p:cNvSpPr txBox="1"/>
+          <p:nvPr/>
+        </p:nvSpPr>
+        <p:spPr>
+          <a:xfrm>
+            <a:off x="9110682" y="4637589"/>
+            <a:ext cx="6574250" cy="1295400"/>
+          </a:xfrm>
+          <a:prstGeom prst="rect">
+            <a:avLst/>
+          </a:prstGeom>
+        </p:spPr>
+        <p:txBody>
+          <a:bodyPr lIns="0" tIns="0" rIns="0" bIns="0" rtlCol="0" anchor="t">
+            <a:spAutoFit/>
+          </a:bodyPr>
+          <a:lstStyle/>
+          <a:p>
+            <a:pPr algn="l">
+              <a:lnSpc>
+                <a:spcPts val="4200"/>
+              </a:lnSpc>
+            </a:pPr>
+            <a:r>
+              <a:rPr lang="en-US" sz="3000">
+                <a:solidFill>
+                  <a:srgbClr val="291B25"/>
+                </a:solidFill>
+                <a:latin typeface="Biski"/>
+                <a:ea typeface="Biski"/>
+                <a:cs typeface="Biski"/>
+                <a:sym typeface="Biski"/>
+              </a:rPr>
+              <a:t>Davisville (postal code M4S) for less competition and more needs</a:t>
+            </a:r>
+          </a:p>
+        </p:txBody>
+      </p:sp>
+      <p:sp>
+        <p:nvSpPr>
+          <p:cNvPr id="14" name="TextBox 14"/>
+          <p:cNvSpPr txBox="1"/>
+          <p:nvPr/>
+        </p:nvSpPr>
+        <p:spPr>
+          <a:xfrm>
+            <a:off x="9110682" y="6328979"/>
+            <a:ext cx="4416759" cy="856615"/>
+          </a:xfrm>
+          <a:prstGeom prst="rect">
+            <a:avLst/>
+          </a:prstGeom>
+        </p:spPr>
+        <p:txBody>
+          <a:bodyPr lIns="0" tIns="0" rIns="0" bIns="0" rtlCol="0" anchor="t">
+            <a:spAutoFit/>
+          </a:bodyPr>
+          <a:lstStyle/>
+          <a:p>
+            <a:pPr algn="l">
+              <a:lnSpc>
+                <a:spcPts val="4759"/>
+              </a:lnSpc>
+            </a:pPr>
+            <a:r>
+              <a:rPr lang="en-US" sz="3399" b="1">
+                <a:solidFill>
+                  <a:srgbClr val="291B25"/>
+                </a:solidFill>
+                <a:latin typeface="Biski Bold"/>
+                <a:ea typeface="Biski Bold"/>
+                <a:cs typeface="Biski Bold"/>
+                <a:sym typeface="Biski Bold"/>
+              </a:rPr>
+              <a:t>Strategy</a:t>
+            </a:r>
+          </a:p>
+        </p:txBody>
+      </p:sp>
+      <p:sp>
+        <p:nvSpPr>
+          <p:cNvPr id="15" name="TextBox 15"/>
+          <p:cNvSpPr txBox="1"/>
+          <p:nvPr/>
+        </p:nvSpPr>
+        <p:spPr>
+          <a:xfrm>
+            <a:off x="9144000" y="6928419"/>
+            <a:ext cx="7126040" cy="762000"/>
+          </a:xfrm>
+          <a:prstGeom prst="rect">
+            <a:avLst/>
+          </a:prstGeom>
+        </p:spPr>
+        <p:txBody>
+          <a:bodyPr lIns="0" tIns="0" rIns="0" bIns="0" rtlCol="0" anchor="t">
+            <a:spAutoFit/>
+          </a:bodyPr>
+          <a:lstStyle/>
+          <a:p>
+            <a:pPr algn="l">
+              <a:lnSpc>
+                <a:spcPts val="4200"/>
+              </a:lnSpc>
+            </a:pPr>
+            <a:r>
+              <a:rPr lang="en-US" sz="3000">
+                <a:solidFill>
+                  <a:srgbClr val="291B25"/>
+                </a:solidFill>
+                <a:latin typeface="Biski"/>
+                <a:ea typeface="Biski"/>
+                <a:cs typeface="Biski"/>
+                <a:sym typeface="Biski"/>
+              </a:rPr>
+              <a:t>Specialized services, friendy staff, ...</a:t>
+            </a:r>
+          </a:p>
+        </p:txBody>
       </p:sp>
     </p:spTree>
   </p:cSld>
@@ -5234,6 +6258,13 @@
             </a:stretch>
           </a:blipFill>
         </p:spPr>
+        <p:txBody>
+          <a:bodyPr/>
+          <a:lstStyle/>
+          <a:p>
+            <a:endParaRPr lang="zh-CN" altLang="en-US"/>
+          </a:p>
+        </p:txBody>
       </p:sp>
       <p:sp>
         <p:nvSpPr>
@@ -5287,6 +6318,13 @@
             </a:stretch>
           </a:blipFill>
         </p:spPr>
+        <p:txBody>
+          <a:bodyPr/>
+          <a:lstStyle/>
+          <a:p>
+            <a:endParaRPr lang="zh-CN" altLang="en-US"/>
+          </a:p>
+        </p:txBody>
       </p:sp>
       <p:sp>
         <p:nvSpPr>
@@ -5340,6 +6378,13 @@
             </a:stretch>
           </a:blipFill>
         </p:spPr>
+        <p:txBody>
+          <a:bodyPr/>
+          <a:lstStyle/>
+          <a:p>
+            <a:endParaRPr lang="zh-CN" altLang="en-US"/>
+          </a:p>
+        </p:txBody>
       </p:sp>
       <p:sp>
         <p:nvSpPr>
@@ -5392,6 +6437,13 @@
             </a:stretch>
           </a:blipFill>
         </p:spPr>
+        <p:txBody>
+          <a:bodyPr/>
+          <a:lstStyle/>
+          <a:p>
+            <a:endParaRPr lang="zh-CN" altLang="en-US"/>
+          </a:p>
+        </p:txBody>
       </p:sp>
       <p:sp>
         <p:nvSpPr>
@@ -5444,6 +6496,13 @@
             </a:stretch>
           </a:blipFill>
         </p:spPr>
+        <p:txBody>
+          <a:bodyPr/>
+          <a:lstStyle/>
+          <a:p>
+            <a:endParaRPr lang="zh-CN" altLang="en-US"/>
+          </a:p>
+        </p:txBody>
       </p:sp>
       <p:sp>
         <p:nvSpPr>
@@ -5496,6 +6555,13 @@
             </a:stretch>
           </a:blipFill>
         </p:spPr>
+        <p:txBody>
+          <a:bodyPr/>
+          <a:lstStyle/>
+          <a:p>
+            <a:endParaRPr lang="zh-CN" altLang="en-US"/>
+          </a:p>
+        </p:txBody>
       </p:sp>
       <p:sp>
         <p:nvSpPr>
@@ -5549,6 +6615,13 @@
             </a:stretch>
           </a:blipFill>
         </p:spPr>
+        <p:txBody>
+          <a:bodyPr/>
+          <a:lstStyle/>
+          <a:p>
+            <a:endParaRPr lang="zh-CN" altLang="en-US"/>
+          </a:p>
+        </p:txBody>
       </p:sp>
       <p:sp>
         <p:nvSpPr>
@@ -5601,6 +6674,13 @@
             </a:stretch>
           </a:blipFill>
         </p:spPr>
+        <p:txBody>
+          <a:bodyPr/>
+          <a:lstStyle/>
+          <a:p>
+            <a:endParaRPr lang="zh-CN" altLang="en-US"/>
+          </a:p>
+        </p:txBody>
       </p:sp>
       <p:sp>
         <p:nvSpPr>
@@ -5653,6 +6733,13 @@
             </a:stretch>
           </a:blipFill>
         </p:spPr>
+        <p:txBody>
+          <a:bodyPr/>
+          <a:lstStyle/>
+          <a:p>
+            <a:endParaRPr lang="zh-CN" altLang="en-US"/>
+          </a:p>
+        </p:txBody>
       </p:sp>
       <p:grpSp>
         <p:nvGrpSpPr>
@@ -5750,6 +6837,13 @@
               <a:srgbClr val="FFD8C9"/>
             </a:solidFill>
           </p:spPr>
+          <p:txBody>
+            <a:bodyPr/>
+            <a:lstStyle/>
+            <a:p>
+              <a:endParaRPr lang="zh-CN" altLang="en-US"/>
+            </a:p>
+          </p:txBody>
         </p:sp>
         <p:sp>
           <p:nvSpPr>
@@ -6059,6 +7153,13 @@
             </a:stretch>
           </a:blipFill>
         </p:spPr>
+        <p:txBody>
+          <a:bodyPr/>
+          <a:lstStyle/>
+          <a:p>
+            <a:endParaRPr lang="zh-CN" altLang="en-US"/>
+          </a:p>
+        </p:txBody>
       </p:sp>
       <p:sp>
         <p:nvSpPr>
@@ -6112,6 +7213,13 @@
             </a:stretch>
           </a:blipFill>
         </p:spPr>
+        <p:txBody>
+          <a:bodyPr/>
+          <a:lstStyle/>
+          <a:p>
+            <a:endParaRPr lang="zh-CN" altLang="en-US"/>
+          </a:p>
+        </p:txBody>
       </p:sp>
       <p:grpSp>
         <p:nvGrpSpPr>
@@ -6178,6 +7286,13 @@
               </a:stretch>
             </a:blipFill>
           </p:spPr>
+          <p:txBody>
+            <a:bodyPr/>
+            <a:lstStyle/>
+            <a:p>
+              <a:endParaRPr lang="zh-CN" altLang="en-US"/>
+            </a:p>
+          </p:txBody>
         </p:sp>
         <p:sp>
           <p:nvSpPr>
@@ -6230,6 +7345,13 @@
               </a:stretch>
             </a:blipFill>
           </p:spPr>
+          <p:txBody>
+            <a:bodyPr/>
+            <a:lstStyle/>
+            <a:p>
+              <a:endParaRPr lang="zh-CN" altLang="en-US"/>
+            </a:p>
+          </p:txBody>
         </p:sp>
       </p:grpSp>
       <p:sp>
@@ -6284,6 +7406,13 @@
             </a:stretch>
           </a:blipFill>
         </p:spPr>
+        <p:txBody>
+          <a:bodyPr/>
+          <a:lstStyle/>
+          <a:p>
+            <a:endParaRPr lang="zh-CN" altLang="en-US"/>
+          </a:p>
+        </p:txBody>
       </p:sp>
       <p:sp>
         <p:nvSpPr>
@@ -6336,6 +7465,13 @@
             </a:stretch>
           </a:blipFill>
         </p:spPr>
+        <p:txBody>
+          <a:bodyPr/>
+          <a:lstStyle/>
+          <a:p>
+            <a:endParaRPr lang="zh-CN" altLang="en-US"/>
+          </a:p>
+        </p:txBody>
       </p:sp>
       <p:sp>
         <p:nvSpPr>
@@ -6389,6 +7525,13 @@
             </a:stretch>
           </a:blipFill>
         </p:spPr>
+        <p:txBody>
+          <a:bodyPr/>
+          <a:lstStyle/>
+          <a:p>
+            <a:endParaRPr lang="zh-CN" altLang="en-US"/>
+          </a:p>
+        </p:txBody>
       </p:sp>
       <p:grpSp>
         <p:nvGrpSpPr>
@@ -6450,6 +7593,13 @@
               <a:miter/>
             </a:ln>
           </p:spPr>
+          <p:txBody>
+            <a:bodyPr/>
+            <a:lstStyle/>
+            <a:p>
+              <a:endParaRPr lang="zh-CN" altLang="en-US"/>
+            </a:p>
+          </p:txBody>
         </p:sp>
         <p:sp>
           <p:nvSpPr>
@@ -6531,6 +7681,13 @@
             </a:stretch>
           </a:blipFill>
         </p:spPr>
+        <p:txBody>
+          <a:bodyPr/>
+          <a:lstStyle/>
+          <a:p>
+            <a:endParaRPr lang="zh-CN" altLang="en-US"/>
+          </a:p>
+        </p:txBody>
       </p:sp>
       <p:sp>
         <p:nvSpPr>
@@ -6633,6 +7790,13 @@
               <a:miter/>
             </a:ln>
           </p:spPr>
+          <p:txBody>
+            <a:bodyPr/>
+            <a:lstStyle/>
+            <a:p>
+              <a:endParaRPr lang="zh-CN" altLang="en-US"/>
+            </a:p>
+          </p:txBody>
         </p:sp>
         <p:sp>
           <p:nvSpPr>
@@ -6714,6 +7878,13 @@
             </a:stretch>
           </a:blipFill>
         </p:spPr>
+        <p:txBody>
+          <a:bodyPr/>
+          <a:lstStyle/>
+          <a:p>
+            <a:endParaRPr lang="zh-CN" altLang="en-US"/>
+          </a:p>
+        </p:txBody>
       </p:sp>
       <p:sp>
         <p:nvSpPr>
@@ -6766,6 +7937,13 @@
             </a:stretch>
           </a:blipFill>
         </p:spPr>
+        <p:txBody>
+          <a:bodyPr/>
+          <a:lstStyle/>
+          <a:p>
+            <a:endParaRPr lang="zh-CN" altLang="en-US"/>
+          </a:p>
+        </p:txBody>
       </p:sp>
       <p:sp>
         <p:nvSpPr>
@@ -7093,6 +8271,13 @@
             </a:stretch>
           </a:blipFill>
         </p:spPr>
+        <p:txBody>
+          <a:bodyPr/>
+          <a:lstStyle/>
+          <a:p>
+            <a:endParaRPr lang="zh-CN" altLang="en-US"/>
+          </a:p>
+        </p:txBody>
       </p:sp>
       <p:sp>
         <p:nvSpPr>
@@ -7146,6 +8331,13 @@
             </a:stretch>
           </a:blipFill>
         </p:spPr>
+        <p:txBody>
+          <a:bodyPr/>
+          <a:lstStyle/>
+          <a:p>
+            <a:endParaRPr lang="zh-CN" altLang="en-US"/>
+          </a:p>
+        </p:txBody>
       </p:sp>
       <p:sp>
         <p:nvSpPr>
@@ -7199,6 +8391,13 @@
             </a:stretch>
           </a:blipFill>
         </p:spPr>
+        <p:txBody>
+          <a:bodyPr/>
+          <a:lstStyle/>
+          <a:p>
+            <a:endParaRPr lang="zh-CN" altLang="en-US"/>
+          </a:p>
+        </p:txBody>
       </p:sp>
       <p:sp>
         <p:nvSpPr>
@@ -7251,6 +8450,13 @@
             </a:stretch>
           </a:blipFill>
         </p:spPr>
+        <p:txBody>
+          <a:bodyPr/>
+          <a:lstStyle/>
+          <a:p>
+            <a:endParaRPr lang="zh-CN" altLang="en-US"/>
+          </a:p>
+        </p:txBody>
       </p:sp>
       <p:sp>
         <p:nvSpPr>
@@ -7303,6 +8509,13 @@
             </a:stretch>
           </a:blipFill>
         </p:spPr>
+        <p:txBody>
+          <a:bodyPr/>
+          <a:lstStyle/>
+          <a:p>
+            <a:endParaRPr lang="zh-CN" altLang="en-US"/>
+          </a:p>
+        </p:txBody>
       </p:sp>
       <p:sp>
         <p:nvSpPr>
@@ -7355,6 +8568,13 @@
             </a:stretch>
           </a:blipFill>
         </p:spPr>
+        <p:txBody>
+          <a:bodyPr/>
+          <a:lstStyle/>
+          <a:p>
+            <a:endParaRPr lang="zh-CN" altLang="en-US"/>
+          </a:p>
+        </p:txBody>
       </p:sp>
       <p:sp>
         <p:nvSpPr>
@@ -7407,6 +8627,13 @@
             </a:stretch>
           </a:blipFill>
         </p:spPr>
+        <p:txBody>
+          <a:bodyPr/>
+          <a:lstStyle/>
+          <a:p>
+            <a:endParaRPr lang="zh-CN" altLang="en-US"/>
+          </a:p>
+        </p:txBody>
       </p:sp>
       <p:sp>
         <p:nvSpPr>
@@ -7501,6 +8728,13 @@
             </a:stretch>
           </a:blipFill>
         </p:spPr>
+        <p:txBody>
+          <a:bodyPr/>
+          <a:lstStyle/>
+          <a:p>
+            <a:endParaRPr lang="zh-CN" altLang="en-US"/>
+          </a:p>
+        </p:txBody>
       </p:sp>
       <p:sp>
         <p:nvSpPr>
@@ -7553,6 +8787,13 @@
             </a:stretch>
           </a:blipFill>
         </p:spPr>
+        <p:txBody>
+          <a:bodyPr/>
+          <a:lstStyle/>
+          <a:p>
+            <a:endParaRPr lang="zh-CN" altLang="en-US"/>
+          </a:p>
+        </p:txBody>
       </p:sp>
       <p:sp>
         <p:nvSpPr>
@@ -7605,6 +8846,13 @@
             </a:stretch>
           </a:blipFill>
         </p:spPr>
+        <p:txBody>
+          <a:bodyPr/>
+          <a:lstStyle/>
+          <a:p>
+            <a:endParaRPr lang="zh-CN" altLang="en-US"/>
+          </a:p>
+        </p:txBody>
       </p:sp>
       <p:sp>
         <p:nvSpPr>
@@ -7657,6 +8905,13 @@
             </a:stretch>
           </a:blipFill>
         </p:spPr>
+        <p:txBody>
+          <a:bodyPr/>
+          <a:lstStyle/>
+          <a:p>
+            <a:endParaRPr lang="zh-CN" altLang="en-US"/>
+          </a:p>
+        </p:txBody>
       </p:sp>
       <p:sp>
         <p:nvSpPr>
@@ -8210,6 +9465,13 @@
             </a:stretch>
           </a:blipFill>
         </p:spPr>
+        <p:txBody>
+          <a:bodyPr/>
+          <a:lstStyle/>
+          <a:p>
+            <a:endParaRPr lang="zh-CN" altLang="en-US"/>
+          </a:p>
+        </p:txBody>
       </p:sp>
       <p:sp>
         <p:nvSpPr>
@@ -8263,6 +9525,13 @@
             </a:stretch>
           </a:blipFill>
         </p:spPr>
+        <p:txBody>
+          <a:bodyPr/>
+          <a:lstStyle/>
+          <a:p>
+            <a:endParaRPr lang="zh-CN" altLang="en-US"/>
+          </a:p>
+        </p:txBody>
       </p:sp>
       <p:sp>
         <p:nvSpPr>
@@ -8316,6 +9585,13 @@
             </a:stretch>
           </a:blipFill>
         </p:spPr>
+        <p:txBody>
+          <a:bodyPr/>
+          <a:lstStyle/>
+          <a:p>
+            <a:endParaRPr lang="zh-CN" altLang="en-US"/>
+          </a:p>
+        </p:txBody>
       </p:sp>
       <p:sp>
         <p:nvSpPr>
@@ -8368,6 +9644,13 @@
             </a:stretch>
           </a:blipFill>
         </p:spPr>
+        <p:txBody>
+          <a:bodyPr/>
+          <a:lstStyle/>
+          <a:p>
+            <a:endParaRPr lang="zh-CN" altLang="en-US"/>
+          </a:p>
+        </p:txBody>
       </p:sp>
       <p:sp>
         <p:nvSpPr>
@@ -8420,6 +9703,13 @@
             </a:stretch>
           </a:blipFill>
         </p:spPr>
+        <p:txBody>
+          <a:bodyPr/>
+          <a:lstStyle/>
+          <a:p>
+            <a:endParaRPr lang="zh-CN" altLang="en-US"/>
+          </a:p>
+        </p:txBody>
       </p:sp>
       <p:sp>
         <p:nvSpPr>
@@ -8472,6 +9762,13 @@
             </a:stretch>
           </a:blipFill>
         </p:spPr>
+        <p:txBody>
+          <a:bodyPr/>
+          <a:lstStyle/>
+          <a:p>
+            <a:endParaRPr lang="zh-CN" altLang="en-US"/>
+          </a:p>
+        </p:txBody>
       </p:sp>
       <p:sp>
         <p:nvSpPr>
@@ -8525,6 +9822,13 @@
             </a:stretch>
           </a:blipFill>
         </p:spPr>
+        <p:txBody>
+          <a:bodyPr/>
+          <a:lstStyle/>
+          <a:p>
+            <a:endParaRPr lang="zh-CN" altLang="en-US"/>
+          </a:p>
+        </p:txBody>
       </p:sp>
       <p:sp>
         <p:nvSpPr>
@@ -8577,6 +9881,13 @@
             </a:stretch>
           </a:blipFill>
         </p:spPr>
+        <p:txBody>
+          <a:bodyPr/>
+          <a:lstStyle/>
+          <a:p>
+            <a:endParaRPr lang="zh-CN" altLang="en-US"/>
+          </a:p>
+        </p:txBody>
       </p:sp>
       <p:sp>
         <p:nvSpPr>
@@ -8623,6 +9934,13 @@
             </a:stretch>
           </a:blipFill>
         </p:spPr>
+        <p:txBody>
+          <a:bodyPr/>
+          <a:lstStyle/>
+          <a:p>
+            <a:endParaRPr lang="zh-CN" altLang="en-US"/>
+          </a:p>
+        </p:txBody>
       </p:sp>
       <p:sp>
         <p:nvSpPr>
@@ -8768,6 +10086,13 @@
             </a:stretch>
           </a:blipFill>
         </p:spPr>
+        <p:txBody>
+          <a:bodyPr/>
+          <a:lstStyle/>
+          <a:p>
+            <a:endParaRPr lang="zh-CN" altLang="en-US"/>
+          </a:p>
+        </p:txBody>
       </p:sp>
       <p:sp>
         <p:nvSpPr>
@@ -8821,6 +10146,13 @@
             </a:stretch>
           </a:blipFill>
         </p:spPr>
+        <p:txBody>
+          <a:bodyPr/>
+          <a:lstStyle/>
+          <a:p>
+            <a:endParaRPr lang="zh-CN" altLang="en-US" dirty="0"/>
+          </a:p>
+        </p:txBody>
       </p:sp>
       <p:sp>
         <p:nvSpPr>
@@ -8874,6 +10206,13 @@
             </a:stretch>
           </a:blipFill>
         </p:spPr>
+        <p:txBody>
+          <a:bodyPr/>
+          <a:lstStyle/>
+          <a:p>
+            <a:endParaRPr lang="zh-CN" altLang="en-US"/>
+          </a:p>
+        </p:txBody>
       </p:sp>
       <p:sp>
         <p:nvSpPr>
@@ -8926,6 +10265,13 @@
             </a:stretch>
           </a:blipFill>
         </p:spPr>
+        <p:txBody>
+          <a:bodyPr/>
+          <a:lstStyle/>
+          <a:p>
+            <a:endParaRPr lang="zh-CN" altLang="en-US"/>
+          </a:p>
+        </p:txBody>
       </p:sp>
       <p:sp>
         <p:nvSpPr>
@@ -8978,6 +10324,13 @@
             </a:stretch>
           </a:blipFill>
         </p:spPr>
+        <p:txBody>
+          <a:bodyPr/>
+          <a:lstStyle/>
+          <a:p>
+            <a:endParaRPr lang="zh-CN" altLang="en-US"/>
+          </a:p>
+        </p:txBody>
       </p:sp>
       <p:sp>
         <p:nvSpPr>
@@ -9030,6 +10383,13 @@
             </a:stretch>
           </a:blipFill>
         </p:spPr>
+        <p:txBody>
+          <a:bodyPr/>
+          <a:lstStyle/>
+          <a:p>
+            <a:endParaRPr lang="zh-CN" altLang="en-US"/>
+          </a:p>
+        </p:txBody>
       </p:sp>
       <p:sp>
         <p:nvSpPr>
@@ -9124,6 +10484,13 @@
             </a:stretch>
           </a:blipFill>
         </p:spPr>
+        <p:txBody>
+          <a:bodyPr/>
+          <a:lstStyle/>
+          <a:p>
+            <a:endParaRPr lang="zh-CN" altLang="en-US"/>
+          </a:p>
+        </p:txBody>
       </p:sp>
       <p:sp>
         <p:nvSpPr>
@@ -9176,6 +10543,13 @@
             </a:stretch>
           </a:blipFill>
         </p:spPr>
+        <p:txBody>
+          <a:bodyPr/>
+          <a:lstStyle/>
+          <a:p>
+            <a:endParaRPr lang="zh-CN" altLang="en-US"/>
+          </a:p>
+        </p:txBody>
       </p:sp>
       <p:sp>
         <p:nvSpPr>
@@ -9282,6 +10656,13 @@
             </a:stretch>
           </a:blipFill>
         </p:spPr>
+        <p:txBody>
+          <a:bodyPr/>
+          <a:lstStyle/>
+          <a:p>
+            <a:endParaRPr lang="zh-CN" altLang="en-US"/>
+          </a:p>
+        </p:txBody>
       </p:sp>
       <p:grpSp>
         <p:nvGrpSpPr>
@@ -9356,6 +10737,13 @@
               <a:miter/>
             </a:ln>
           </p:spPr>
+          <p:txBody>
+            <a:bodyPr/>
+            <a:lstStyle/>
+            <a:p>
+              <a:endParaRPr lang="zh-CN" altLang="en-US"/>
+            </a:p>
+          </p:txBody>
         </p:sp>
         <p:sp>
           <p:nvSpPr>
@@ -9459,6 +10847,13 @@
               <a:miter/>
             </a:ln>
           </p:spPr>
+          <p:txBody>
+            <a:bodyPr/>
+            <a:lstStyle/>
+            <a:p>
+              <a:endParaRPr lang="zh-CN" altLang="en-US"/>
+            </a:p>
+          </p:txBody>
         </p:sp>
         <p:sp>
           <p:nvSpPr>
@@ -9510,7 +10905,13 @@
     </p:bg>
     <p:spTree>
       <p:nvGrpSpPr>
-        <p:cNvPr id="1" name=""/>
+        <p:cNvPr id="1" name="">
+          <a:extLst>
+            <a:ext uri="{FF2B5EF4-FFF2-40B4-BE49-F238E27FC236}">
+              <a16:creationId xmlns:a16="http://schemas.microsoft.com/office/drawing/2014/main" id="{927AB779-E72A-7DA5-4344-F027DB7BA63E}"/>
+            </a:ext>
+          </a:extLst>
+        </p:cNvPr>
         <p:cNvGrpSpPr/>
         <p:nvPr/>
       </p:nvGrpSpPr>
@@ -9524,7 +10925,13 @@
       </p:grpSpPr>
       <p:sp>
         <p:nvSpPr>
-          <p:cNvPr id="2" name="Freeform 2"/>
+          <p:cNvPr id="2" name="Freeform 2">
+            <a:extLst>
+              <a:ext uri="{FF2B5EF4-FFF2-40B4-BE49-F238E27FC236}">
+                <a16:creationId xmlns:a16="http://schemas.microsoft.com/office/drawing/2014/main" id="{C3DAB2AF-E507-7039-ABD4-9EA34CDA968E}"/>
+              </a:ext>
+            </a:extLst>
+          </p:cNvPr>
           <p:cNvSpPr/>
           <p:nvPr/>
         </p:nvSpPr>
@@ -9573,10 +10980,23 @@
             </a:stretch>
           </a:blipFill>
         </p:spPr>
-      </p:sp>
-      <p:sp>
-        <p:nvSpPr>
-          <p:cNvPr id="3" name="Freeform 3"/>
+        <p:txBody>
+          <a:bodyPr/>
+          <a:lstStyle/>
+          <a:p>
+            <a:endParaRPr lang="zh-CN" altLang="en-US"/>
+          </a:p>
+        </p:txBody>
+      </p:sp>
+      <p:sp>
+        <p:nvSpPr>
+          <p:cNvPr id="3" name="Freeform 3">
+            <a:extLst>
+              <a:ext uri="{FF2B5EF4-FFF2-40B4-BE49-F238E27FC236}">
+                <a16:creationId xmlns:a16="http://schemas.microsoft.com/office/drawing/2014/main" id="{BE457B2C-10E5-046F-4E05-DE0011CA3803}"/>
+              </a:ext>
+            </a:extLst>
+          </p:cNvPr>
           <p:cNvSpPr/>
           <p:nvPr/>
         </p:nvSpPr>
@@ -9626,10 +11046,23 @@
             </a:stretch>
           </a:blipFill>
         </p:spPr>
-      </p:sp>
-      <p:sp>
-        <p:nvSpPr>
-          <p:cNvPr id="4" name="Freeform 4"/>
+        <p:txBody>
+          <a:bodyPr/>
+          <a:lstStyle/>
+          <a:p>
+            <a:endParaRPr lang="zh-CN" altLang="en-US" dirty="0"/>
+          </a:p>
+        </p:txBody>
+      </p:sp>
+      <p:sp>
+        <p:nvSpPr>
+          <p:cNvPr id="4" name="Freeform 4">
+            <a:extLst>
+              <a:ext uri="{FF2B5EF4-FFF2-40B4-BE49-F238E27FC236}">
+                <a16:creationId xmlns:a16="http://schemas.microsoft.com/office/drawing/2014/main" id="{03166DD2-5CA1-B1DA-9624-0A9DF96A1CEE}"/>
+              </a:ext>
+            </a:extLst>
+          </p:cNvPr>
           <p:cNvSpPr/>
           <p:nvPr/>
         </p:nvSpPr>
@@ -9679,207 +11112,23 @@
             </a:stretch>
           </a:blipFill>
         </p:spPr>
-      </p:sp>
-      <p:sp>
-        <p:nvSpPr>
-          <p:cNvPr id="5" name="Freeform 5"/>
-          <p:cNvSpPr/>
-          <p:nvPr/>
-        </p:nvSpPr>
-        <p:spPr>
-          <a:xfrm>
-            <a:off x="1349639" y="2524251"/>
-            <a:ext cx="1144506" cy="1123697"/>
-          </a:xfrm>
-          <a:custGeom>
-            <a:avLst/>
-            <a:gdLst/>
-            <a:ahLst/>
-            <a:cxnLst/>
-            <a:rect l="l" t="t" r="r" b="b"/>
-            <a:pathLst>
-              <a:path w="1144506" h="1123697">
-                <a:moveTo>
-                  <a:pt x="0" y="0"/>
-                </a:moveTo>
-                <a:lnTo>
-                  <a:pt x="1144506" y="0"/>
-                </a:lnTo>
-                <a:lnTo>
-                  <a:pt x="1144506" y="1123698"/>
-                </a:lnTo>
-                <a:lnTo>
-                  <a:pt x="0" y="1123698"/>
-                </a:lnTo>
-                <a:lnTo>
-                  <a:pt x="0" y="0"/>
-                </a:lnTo>
-                <a:close/>
-              </a:path>
-            </a:pathLst>
-          </a:custGeom>
-          <a:blipFill>
-            <a:blip r:embed="rId7">
-              <a:extLst>
-                <a:ext uri="{96DAC541-7B7A-43D3-8B79-37D633B846F1}">
-                  <asvg:svgBlip xmlns:asvg="http://schemas.microsoft.com/office/drawing/2016/SVG/main" r:embed="rId8"/>
-                </a:ext>
-              </a:extLst>
-            </a:blip>
-            <a:stretch>
-              <a:fillRect/>
-            </a:stretch>
-          </a:blipFill>
-        </p:spPr>
-      </p:sp>
-      <p:sp>
-        <p:nvSpPr>
-          <p:cNvPr id="6" name="Freeform 6"/>
-          <p:cNvSpPr/>
-          <p:nvPr/>
-        </p:nvSpPr>
-        <p:spPr>
-          <a:xfrm>
-            <a:off x="2494145" y="2212775"/>
-            <a:ext cx="793458" cy="779031"/>
-          </a:xfrm>
-          <a:custGeom>
-            <a:avLst/>
-            <a:gdLst/>
-            <a:ahLst/>
-            <a:cxnLst/>
-            <a:rect l="l" t="t" r="r" b="b"/>
-            <a:pathLst>
-              <a:path w="793458" h="779031">
-                <a:moveTo>
-                  <a:pt x="0" y="0"/>
-                </a:moveTo>
-                <a:lnTo>
-                  <a:pt x="793458" y="0"/>
-                </a:lnTo>
-                <a:lnTo>
-                  <a:pt x="793458" y="779031"/>
-                </a:lnTo>
-                <a:lnTo>
-                  <a:pt x="0" y="779031"/>
-                </a:lnTo>
-                <a:lnTo>
-                  <a:pt x="0" y="0"/>
-                </a:lnTo>
-                <a:close/>
-              </a:path>
-            </a:pathLst>
-          </a:custGeom>
-          <a:blipFill>
-            <a:blip r:embed="rId7">
-              <a:extLst>
-                <a:ext uri="{96DAC541-7B7A-43D3-8B79-37D633B846F1}">
-                  <asvg:svgBlip xmlns:asvg="http://schemas.microsoft.com/office/drawing/2016/SVG/main" r:embed="rId8"/>
-                </a:ext>
-              </a:extLst>
-            </a:blip>
-            <a:stretch>
-              <a:fillRect/>
-            </a:stretch>
-          </a:blipFill>
-        </p:spPr>
-      </p:sp>
-      <p:sp>
-        <p:nvSpPr>
-          <p:cNvPr id="7" name="Freeform 7"/>
-          <p:cNvSpPr/>
-          <p:nvPr/>
-        </p:nvSpPr>
-        <p:spPr>
-          <a:xfrm>
-            <a:off x="1593400" y="6063728"/>
-            <a:ext cx="5020705" cy="876341"/>
-          </a:xfrm>
-          <a:custGeom>
-            <a:avLst/>
-            <a:gdLst/>
-            <a:ahLst/>
-            <a:cxnLst/>
-            <a:rect l="l" t="t" r="r" b="b"/>
-            <a:pathLst>
-              <a:path w="5020705" h="876341">
-                <a:moveTo>
-                  <a:pt x="0" y="0"/>
-                </a:moveTo>
-                <a:lnTo>
-                  <a:pt x="5020705" y="0"/>
-                </a:lnTo>
-                <a:lnTo>
-                  <a:pt x="5020705" y="876342"/>
-                </a:lnTo>
-                <a:lnTo>
-                  <a:pt x="0" y="876342"/>
-                </a:lnTo>
-                <a:lnTo>
-                  <a:pt x="0" y="0"/>
-                </a:lnTo>
-                <a:close/>
-              </a:path>
-            </a:pathLst>
-          </a:custGeom>
-          <a:blipFill>
-            <a:blip r:embed="rId9">
-              <a:extLst>
-                <a:ext uri="{96DAC541-7B7A-43D3-8B79-37D633B846F1}">
-                  <asvg:svgBlip xmlns:asvg="http://schemas.microsoft.com/office/drawing/2016/SVG/main" r:embed="rId10"/>
-                </a:ext>
-              </a:extLst>
-            </a:blip>
-            <a:stretch>
-              <a:fillRect/>
-            </a:stretch>
-          </a:blipFill>
-        </p:spPr>
-      </p:sp>
-      <p:sp>
-        <p:nvSpPr>
-          <p:cNvPr id="8" name="TextBox 8"/>
-          <p:cNvSpPr txBox="1"/>
-          <p:nvPr/>
-        </p:nvSpPr>
-        <p:spPr>
-          <a:xfrm>
-            <a:off x="8176175" y="1841300"/>
-            <a:ext cx="7490565" cy="934721"/>
-          </a:xfrm>
-          <a:prstGeom prst="rect">
-            <a:avLst/>
-          </a:prstGeom>
-        </p:spPr>
-        <p:txBody>
-          <a:bodyPr lIns="0" tIns="0" rIns="0" bIns="0" rtlCol="0" anchor="t">
-            <a:spAutoFit/>
-          </a:bodyPr>
-          <a:lstStyle/>
-          <a:p>
-            <a:pPr algn="l">
-              <a:lnSpc>
-                <a:spcPts val="5179"/>
-              </a:lnSpc>
-            </a:pPr>
-            <a:r>
-              <a:rPr lang="en-US" sz="3699" b="1">
-                <a:solidFill>
-                  <a:srgbClr val="291B25"/>
-                </a:solidFill>
-                <a:latin typeface="Biski Ultra-Bold"/>
-                <a:ea typeface="Biski Ultra-Bold"/>
-                <a:cs typeface="Biski Ultra-Bold"/>
-                <a:sym typeface="Biski Ultra-Bold"/>
-              </a:rPr>
-              <a:t>CUSTOMER REVIEWS</a:t>
-            </a:r>
-          </a:p>
-        </p:txBody>
-      </p:sp>
-      <p:sp>
-        <p:nvSpPr>
-          <p:cNvPr id="9" name="Freeform 9"/>
+        <p:txBody>
+          <a:bodyPr/>
+          <a:lstStyle/>
+          <a:p>
+            <a:endParaRPr lang="zh-CN" altLang="en-US"/>
+          </a:p>
+        </p:txBody>
+      </p:sp>
+      <p:sp>
+        <p:nvSpPr>
+          <p:cNvPr id="9" name="Freeform 9">
+            <a:extLst>
+              <a:ext uri="{FF2B5EF4-FFF2-40B4-BE49-F238E27FC236}">
+                <a16:creationId xmlns:a16="http://schemas.microsoft.com/office/drawing/2014/main" id="{8D09BFA6-FA4C-0CF5-6A95-8EE69D0464C0}"/>
+              </a:ext>
+            </a:extLst>
+          </p:cNvPr>
           <p:cNvSpPr/>
           <p:nvPr/>
         </p:nvSpPr>
@@ -9929,10 +11178,23 @@
             </a:stretch>
           </a:blipFill>
         </p:spPr>
-      </p:sp>
-      <p:sp>
-        <p:nvSpPr>
-          <p:cNvPr id="10" name="Freeform 10"/>
+        <p:txBody>
+          <a:bodyPr/>
+          <a:lstStyle/>
+          <a:p>
+            <a:endParaRPr lang="zh-CN" altLang="en-US"/>
+          </a:p>
+        </p:txBody>
+      </p:sp>
+      <p:sp>
+        <p:nvSpPr>
+          <p:cNvPr id="10" name="Freeform 10">
+            <a:extLst>
+              <a:ext uri="{FF2B5EF4-FFF2-40B4-BE49-F238E27FC236}">
+                <a16:creationId xmlns:a16="http://schemas.microsoft.com/office/drawing/2014/main" id="{43B33DD5-678F-C79A-30FF-B75EDA0D9B10}"/>
+              </a:ext>
+            </a:extLst>
+          </p:cNvPr>
           <p:cNvSpPr/>
           <p:nvPr/>
         </p:nvSpPr>
@@ -9969,10 +11231,10 @@
             </a:pathLst>
           </a:custGeom>
           <a:blipFill>
-            <a:blip r:embed="rId11">
+            <a:blip r:embed="rId7">
               <a:extLst>
                 <a:ext uri="{96DAC541-7B7A-43D3-8B79-37D633B846F1}">
-                  <asvg:svgBlip xmlns:asvg="http://schemas.microsoft.com/office/drawing/2016/SVG/main" r:embed="rId12"/>
+                  <asvg:svgBlip xmlns:asvg="http://schemas.microsoft.com/office/drawing/2016/SVG/main" r:embed="rId8"/>
                 </a:ext>
               </a:extLst>
             </a:blip>
@@ -9981,316 +11243,499 @@
             </a:stretch>
           </a:blipFill>
         </p:spPr>
-      </p:sp>
-      <p:sp>
-        <p:nvSpPr>
-          <p:cNvPr id="11" name="TextBox 11"/>
-          <p:cNvSpPr txBox="1"/>
+        <p:txBody>
+          <a:bodyPr/>
+          <a:lstStyle/>
+          <a:p>
+            <a:endParaRPr lang="zh-CN" altLang="en-US"/>
+          </a:p>
+        </p:txBody>
+      </p:sp>
+      <p:pic>
+        <p:nvPicPr>
+          <p:cNvPr id="20" name="图片 19" descr="图形用户界面, 文本, 应用程序&#10;&#10;描述已自动生成">
+            <a:extLst>
+              <a:ext uri="{FF2B5EF4-FFF2-40B4-BE49-F238E27FC236}">
+                <a16:creationId xmlns:a16="http://schemas.microsoft.com/office/drawing/2014/main" id="{AF21C6C2-B28E-C084-AAD2-B0866BB6405E}"/>
+              </a:ext>
+            </a:extLst>
+          </p:cNvPr>
+          <p:cNvPicPr>
+            <a:picLocks noChangeAspect="1"/>
+          </p:cNvPicPr>
           <p:nvPr/>
-        </p:nvSpPr>
-        <p:spPr>
-          <a:xfrm>
-            <a:off x="8176175" y="2863328"/>
-            <a:ext cx="9083125" cy="6096000"/>
+        </p:nvPicPr>
+        <p:blipFill>
+          <a:blip r:embed="rId9">
+            <a:extLst>
+              <a:ext uri="{28A0092B-C50C-407E-A947-70E740481C1C}">
+                <a14:useLocalDpi xmlns:a14="http://schemas.microsoft.com/office/drawing/2010/main" val="0"/>
+              </a:ext>
+            </a:extLst>
+          </a:blip>
+          <a:stretch>
+            <a:fillRect/>
+          </a:stretch>
+        </p:blipFill>
+        <p:spPr>
+          <a:xfrm>
+            <a:off x="2133600" y="571500"/>
+            <a:ext cx="5486400" cy="5322464"/>
           </a:xfrm>
           <a:prstGeom prst="rect">
             <a:avLst/>
           </a:prstGeom>
         </p:spPr>
-        <p:txBody>
-          <a:bodyPr lIns="0" tIns="0" rIns="0" bIns="0" rtlCol="0" anchor="t">
-            <a:spAutoFit/>
-          </a:bodyPr>
-          <a:lstStyle/>
-          <a:p>
-            <a:pPr algn="l">
-              <a:lnSpc>
-                <a:spcPts val="4200"/>
-              </a:lnSpc>
-            </a:pPr>
-            <a:r>
-              <a:rPr lang="en-US" sz="3000">
-                <a:solidFill>
-                  <a:srgbClr val="291B25"/>
-                </a:solidFill>
-                <a:latin typeface="Biski"/>
-                <a:ea typeface="Biski"/>
-                <a:cs typeface="Biski"/>
-                <a:sym typeface="Biski"/>
-              </a:rPr>
-              <a:t>Negative: </a:t>
-            </a:r>
-          </a:p>
-          <a:p>
-            <a:pPr marL="647700" lvl="1" indent="-323850" algn="l">
-              <a:lnSpc>
-                <a:spcPts val="4200"/>
-              </a:lnSpc>
-              <a:buFont typeface="Arial"/>
-              <a:buChar char="•"/>
-            </a:pPr>
-            <a:r>
-              <a:rPr lang="en-US" sz="3000">
-                <a:solidFill>
-                  <a:srgbClr val="291B25"/>
-                </a:solidFill>
-                <a:latin typeface="Biski"/>
-                <a:ea typeface="Biski"/>
-                <a:cs typeface="Biski"/>
-                <a:sym typeface="Biski"/>
-              </a:rPr>
-              <a:t>Only accept cash</a:t>
-            </a:r>
-          </a:p>
-          <a:p>
-            <a:pPr marL="647700" lvl="1" indent="-323850" algn="l">
-              <a:lnSpc>
-                <a:spcPts val="4200"/>
-              </a:lnSpc>
-              <a:buFont typeface="Arial"/>
-              <a:buChar char="•"/>
-            </a:pPr>
-            <a:r>
-              <a:rPr lang="en-US" sz="3000">
-                <a:solidFill>
-                  <a:srgbClr val="291B25"/>
-                </a:solidFill>
-                <a:latin typeface="Biski"/>
-                <a:ea typeface="Biski"/>
-                <a:cs typeface="Biski"/>
-                <a:sym typeface="Biski"/>
-              </a:rPr>
-              <a:t>Unsure which toys are in the store</a:t>
-            </a:r>
-          </a:p>
-          <a:p>
-            <a:pPr algn="l">
-              <a:lnSpc>
-                <a:spcPts val="4200"/>
-              </a:lnSpc>
-            </a:pPr>
-            <a:endParaRPr lang="en-US" sz="3000">
-              <a:solidFill>
-                <a:srgbClr val="291B25"/>
-              </a:solidFill>
-              <a:latin typeface="Biski"/>
-              <a:ea typeface="Biski"/>
-              <a:cs typeface="Biski"/>
-              <a:sym typeface="Biski"/>
-            </a:endParaRPr>
-          </a:p>
-          <a:p>
-            <a:pPr algn="l">
-              <a:lnSpc>
-                <a:spcPts val="4200"/>
-              </a:lnSpc>
-            </a:pPr>
-            <a:r>
-              <a:rPr lang="en-US" sz="3000">
-                <a:solidFill>
-                  <a:srgbClr val="291B25"/>
-                </a:solidFill>
-                <a:latin typeface="Biski"/>
-                <a:ea typeface="Biski"/>
-                <a:cs typeface="Biski"/>
-                <a:sym typeface="Biski"/>
-              </a:rPr>
-              <a:t>Positive: </a:t>
-            </a:r>
-          </a:p>
-          <a:p>
-            <a:pPr marL="647700" lvl="1" indent="-323850" algn="l">
-              <a:lnSpc>
-                <a:spcPts val="4200"/>
-              </a:lnSpc>
-              <a:buFont typeface="Arial"/>
-              <a:buChar char="•"/>
-            </a:pPr>
-            <a:r>
-              <a:rPr lang="en-US" sz="3000">
-                <a:solidFill>
-                  <a:srgbClr val="291B25"/>
-                </a:solidFill>
-                <a:latin typeface="Biski"/>
-                <a:ea typeface="Biski"/>
-                <a:cs typeface="Biski"/>
-                <a:sym typeface="Biski"/>
-              </a:rPr>
-              <a:t>Free gift wrapping</a:t>
-            </a:r>
-          </a:p>
-          <a:p>
-            <a:pPr marL="647700" lvl="1" indent="-323850" algn="l">
-              <a:lnSpc>
-                <a:spcPts val="4200"/>
-              </a:lnSpc>
-              <a:buFont typeface="Arial"/>
-              <a:buChar char="•"/>
-            </a:pPr>
-            <a:r>
-              <a:rPr lang="en-US" sz="3000">
-                <a:solidFill>
-                  <a:srgbClr val="291B25"/>
-                </a:solidFill>
-                <a:latin typeface="Biski"/>
-                <a:ea typeface="Biski"/>
-                <a:cs typeface="Biski"/>
-                <a:sym typeface="Biski"/>
-              </a:rPr>
-              <a:t>Birthday party</a:t>
-            </a:r>
-          </a:p>
-          <a:p>
-            <a:pPr marL="647700" lvl="1" indent="-323850" algn="l">
-              <a:lnSpc>
-                <a:spcPts val="4200"/>
-              </a:lnSpc>
-              <a:buFont typeface="Arial"/>
-              <a:buChar char="•"/>
-            </a:pPr>
-            <a:r>
-              <a:rPr lang="en-US" sz="3000">
-                <a:solidFill>
-                  <a:srgbClr val="291B25"/>
-                </a:solidFill>
-                <a:latin typeface="Biski"/>
-                <a:ea typeface="Biski"/>
-                <a:cs typeface="Biski"/>
-                <a:sym typeface="Biski"/>
-              </a:rPr>
-              <a:t>Friendly staff</a:t>
-            </a:r>
-          </a:p>
-          <a:p>
-            <a:pPr marL="647700" lvl="1" indent="-323850" algn="l">
-              <a:lnSpc>
-                <a:spcPts val="4200"/>
-              </a:lnSpc>
-              <a:buFont typeface="Arial"/>
-              <a:buChar char="•"/>
-            </a:pPr>
-            <a:r>
-              <a:rPr lang="en-US" sz="3000">
-                <a:solidFill>
-                  <a:srgbClr val="291B25"/>
-                </a:solidFill>
-                <a:latin typeface="Biski"/>
-                <a:ea typeface="Biski"/>
-                <a:cs typeface="Biski"/>
-                <a:sym typeface="Biski"/>
-              </a:rPr>
-              <a:t>Email list for discount coupons</a:t>
-            </a:r>
-          </a:p>
-          <a:p>
-            <a:pPr marL="647700" lvl="1" indent="-323850" algn="l">
-              <a:lnSpc>
-                <a:spcPts val="4200"/>
-              </a:lnSpc>
-              <a:buFont typeface="Arial"/>
-              <a:buChar char="•"/>
-            </a:pPr>
-            <a:r>
-              <a:rPr lang="en-US" sz="3000">
-                <a:solidFill>
-                  <a:srgbClr val="291B25"/>
-                </a:solidFill>
-                <a:latin typeface="Biski"/>
-                <a:ea typeface="Biski"/>
-                <a:cs typeface="Biski"/>
-                <a:sym typeface="Biski"/>
-              </a:rPr>
-              <a:t>Fantastic prices</a:t>
-            </a:r>
-          </a:p>
-          <a:p>
-            <a:pPr marL="647700" lvl="1" indent="-323850" algn="l">
-              <a:lnSpc>
-                <a:spcPts val="4200"/>
-              </a:lnSpc>
-              <a:buFont typeface="Arial"/>
-              <a:buChar char="•"/>
-            </a:pPr>
-            <a:r>
-              <a:rPr lang="en-US" sz="3000">
-                <a:solidFill>
-                  <a:srgbClr val="291B25"/>
-                </a:solidFill>
-                <a:latin typeface="Biski"/>
-                <a:ea typeface="Biski"/>
-                <a:cs typeface="Biski"/>
-                <a:sym typeface="Biski"/>
-              </a:rPr>
-              <a:t>Chain store</a:t>
-            </a:r>
-          </a:p>
-        </p:txBody>
-      </p:sp>
-      <p:sp>
-        <p:nvSpPr>
-          <p:cNvPr id="12" name="TextBox 12"/>
-          <p:cNvSpPr txBox="1"/>
+      </p:pic>
+      <p:pic>
+        <p:nvPicPr>
+          <p:cNvPr id="22" name="图片 21" descr="图形用户界面, 文本, 应用程序&#10;&#10;描述已自动生成">
+            <a:extLst>
+              <a:ext uri="{FF2B5EF4-FFF2-40B4-BE49-F238E27FC236}">
+                <a16:creationId xmlns:a16="http://schemas.microsoft.com/office/drawing/2014/main" id="{8344EF30-CD75-6176-E049-73A7190214A6}"/>
+              </a:ext>
+            </a:extLst>
+          </p:cNvPr>
+          <p:cNvPicPr>
+            <a:picLocks noChangeAspect="1"/>
+          </p:cNvPicPr>
           <p:nvPr/>
-        </p:nvSpPr>
-        <p:spPr>
-          <a:xfrm>
-            <a:off x="1162709" y="3149455"/>
-            <a:ext cx="6280423" cy="2914274"/>
+        </p:nvPicPr>
+        <p:blipFill>
+          <a:blip r:embed="rId10">
+            <a:extLst>
+              <a:ext uri="{28A0092B-C50C-407E-A947-70E740481C1C}">
+                <a14:useLocalDpi xmlns:a14="http://schemas.microsoft.com/office/drawing/2010/main" val="0"/>
+              </a:ext>
+            </a:extLst>
+          </a:blip>
+          <a:stretch>
+            <a:fillRect/>
+          </a:stretch>
+        </p:blipFill>
+        <p:spPr>
+          <a:xfrm>
+            <a:off x="8973580" y="1431074"/>
+            <a:ext cx="6439922" cy="3712426"/>
           </a:xfrm>
           <a:prstGeom prst="rect">
             <a:avLst/>
           </a:prstGeom>
         </p:spPr>
-        <p:txBody>
-          <a:bodyPr lIns="0" tIns="0" rIns="0" bIns="0" rtlCol="0" anchor="t">
-            <a:spAutoFit/>
-          </a:bodyPr>
-          <a:lstStyle/>
-          <a:p>
-            <a:pPr algn="ctr">
-              <a:lnSpc>
-                <a:spcPts val="10789"/>
-              </a:lnSpc>
-            </a:pPr>
-            <a:r>
-              <a:rPr lang="en-US" sz="9300">
-                <a:solidFill>
-                  <a:srgbClr val="291B25"/>
-                </a:solidFill>
-                <a:latin typeface="Funtastic"/>
-                <a:ea typeface="Funtastic"/>
-                <a:cs typeface="Funtastic"/>
-                <a:sym typeface="Funtastic"/>
-              </a:rPr>
-              <a:t>Data </a:t>
-            </a:r>
-          </a:p>
-          <a:p>
-            <a:pPr algn="ctr">
-              <a:lnSpc>
-                <a:spcPts val="10789"/>
-              </a:lnSpc>
-            </a:pPr>
-            <a:r>
-              <a:rPr lang="en-US" sz="9300">
-                <a:solidFill>
-                  <a:srgbClr val="291B25"/>
-                </a:solidFill>
-                <a:latin typeface="Funtastic"/>
-                <a:ea typeface="Funtastic"/>
-                <a:cs typeface="Funtastic"/>
-                <a:sym typeface="Funtastic"/>
-              </a:rPr>
-              <a:t>Analysis</a:t>
-            </a:r>
-          </a:p>
-        </p:txBody>
-      </p:sp>
+      </p:pic>
+      <p:pic>
+        <p:nvPicPr>
+          <p:cNvPr id="24" name="图片 23" descr="文本&#10;&#10;描述已自动生成">
+            <a:extLst>
+              <a:ext uri="{FF2B5EF4-FFF2-40B4-BE49-F238E27FC236}">
+                <a16:creationId xmlns:a16="http://schemas.microsoft.com/office/drawing/2014/main" id="{439E36E6-706D-9640-9420-9AE2DF81EE4E}"/>
+              </a:ext>
+            </a:extLst>
+          </p:cNvPr>
+          <p:cNvPicPr>
+            <a:picLocks noChangeAspect="1"/>
+          </p:cNvPicPr>
+          <p:nvPr/>
+        </p:nvPicPr>
+        <p:blipFill>
+          <a:blip r:embed="rId11">
+            <a:extLst>
+              <a:ext uri="{28A0092B-C50C-407E-A947-70E740481C1C}">
+                <a14:useLocalDpi xmlns:a14="http://schemas.microsoft.com/office/drawing/2010/main" val="0"/>
+              </a:ext>
+            </a:extLst>
+          </a:blip>
+          <a:stretch>
+            <a:fillRect/>
+          </a:stretch>
+        </p:blipFill>
+        <p:spPr>
+          <a:xfrm>
+            <a:off x="1028700" y="5143500"/>
+            <a:ext cx="5152757" cy="4950689"/>
+          </a:xfrm>
+          <a:prstGeom prst="rect">
+            <a:avLst/>
+          </a:prstGeom>
+        </p:spPr>
+      </p:pic>
+      <p:pic>
+        <p:nvPicPr>
+          <p:cNvPr id="26" name="图片 25" descr="文本&#10;&#10;描述已自动生成">
+            <a:extLst>
+              <a:ext uri="{FF2B5EF4-FFF2-40B4-BE49-F238E27FC236}">
+                <a16:creationId xmlns:a16="http://schemas.microsoft.com/office/drawing/2014/main" id="{B3F7BCB3-FF97-106A-97E0-92801CDE0694}"/>
+              </a:ext>
+            </a:extLst>
+          </p:cNvPr>
+          <p:cNvPicPr>
+            <a:picLocks noChangeAspect="1"/>
+          </p:cNvPicPr>
+          <p:nvPr/>
+        </p:nvPicPr>
+        <p:blipFill>
+          <a:blip r:embed="rId12">
+            <a:extLst>
+              <a:ext uri="{28A0092B-C50C-407E-A947-70E740481C1C}">
+                <a14:useLocalDpi xmlns:a14="http://schemas.microsoft.com/office/drawing/2010/main" val="0"/>
+              </a:ext>
+            </a:extLst>
+          </a:blip>
+          <a:stretch>
+            <a:fillRect/>
+          </a:stretch>
+        </p:blipFill>
+        <p:spPr>
+          <a:xfrm>
+            <a:off x="7397958" y="3086100"/>
+            <a:ext cx="4063653" cy="6925949"/>
+          </a:xfrm>
+          <a:prstGeom prst="rect">
+            <a:avLst/>
+          </a:prstGeom>
+        </p:spPr>
+      </p:pic>
+      <p:pic>
+        <p:nvPicPr>
+          <p:cNvPr id="28" name="图片 27" descr="图形用户界面, 文本, 应用程序&#10;&#10;描述已自动生成">
+            <a:extLst>
+              <a:ext uri="{FF2B5EF4-FFF2-40B4-BE49-F238E27FC236}">
+                <a16:creationId xmlns:a16="http://schemas.microsoft.com/office/drawing/2014/main" id="{D2B41479-9B22-C232-1B0D-B77B2A17E145}"/>
+              </a:ext>
+            </a:extLst>
+          </p:cNvPr>
+          <p:cNvPicPr>
+            <a:picLocks noChangeAspect="1"/>
+          </p:cNvPicPr>
+          <p:nvPr/>
+        </p:nvPicPr>
+        <p:blipFill>
+          <a:blip r:embed="rId13">
+            <a:extLst>
+              <a:ext uri="{28A0092B-C50C-407E-A947-70E740481C1C}">
+                <a14:useLocalDpi xmlns:a14="http://schemas.microsoft.com/office/drawing/2010/main" val="0"/>
+              </a:ext>
+            </a:extLst>
+          </a:blip>
+          <a:stretch>
+            <a:fillRect/>
+          </a:stretch>
+        </p:blipFill>
+        <p:spPr>
+          <a:xfrm>
+            <a:off x="10896600" y="5605103"/>
+            <a:ext cx="6712506" cy="3712426"/>
+          </a:xfrm>
+          <a:prstGeom prst="rect">
+            <a:avLst/>
+          </a:prstGeom>
+        </p:spPr>
+      </p:pic>
     </p:spTree>
+    <p:extLst>
+      <p:ext uri="{BB962C8B-B14F-4D97-AF65-F5344CB8AC3E}">
+        <p14:creationId xmlns:p14="http://schemas.microsoft.com/office/powerpoint/2010/main" val="4151951454"/>
+      </p:ext>
+    </p:extLst>
   </p:cSld>
   <p:clrMapOvr>
     <a:masterClrMapping/>
   </p:clrMapOvr>
+  <p:timing>
+    <p:tnLst>
+      <p:par>
+        <p:cTn id="1" dur="indefinite" restart="never" nodeType="tmRoot">
+          <p:childTnLst>
+            <p:seq concurrent="1" nextAc="seek">
+              <p:cTn id="2" dur="indefinite" nodeType="mainSeq">
+                <p:childTnLst>
+                  <p:par>
+                    <p:cTn id="3" fill="hold">
+                      <p:stCondLst>
+                        <p:cond delay="indefinite"/>
+                      </p:stCondLst>
+                      <p:childTnLst>
+                        <p:par>
+                          <p:cTn id="4" fill="hold">
+                            <p:stCondLst>
+                              <p:cond delay="0"/>
+                            </p:stCondLst>
+                            <p:childTnLst>
+                              <p:par>
+                                <p:cTn id="5" presetID="10" presetClass="entr" presetSubtype="0" fill="hold" nodeType="clickEffect">
+                                  <p:stCondLst>
+                                    <p:cond delay="0"/>
+                                  </p:stCondLst>
+                                  <p:childTnLst>
+                                    <p:set>
+                                      <p:cBhvr>
+                                        <p:cTn id="6" dur="1" fill="hold">
+                                          <p:stCondLst>
+                                            <p:cond delay="0"/>
+                                          </p:stCondLst>
+                                        </p:cTn>
+                                        <p:tgtEl>
+                                          <p:spTgt spid="20"/>
+                                        </p:tgtEl>
+                                        <p:attrNameLst>
+                                          <p:attrName>style.visibility</p:attrName>
+                                        </p:attrNameLst>
+                                      </p:cBhvr>
+                                      <p:to>
+                                        <p:strVal val="visible"/>
+                                      </p:to>
+                                    </p:set>
+                                    <p:animEffect transition="in" filter="fade">
+                                      <p:cBhvr>
+                                        <p:cTn id="7" dur="250"/>
+                                        <p:tgtEl>
+                                          <p:spTgt spid="20"/>
+                                        </p:tgtEl>
+                                      </p:cBhvr>
+                                    </p:animEffect>
+                                  </p:childTnLst>
+                                </p:cTn>
+                              </p:par>
+                            </p:childTnLst>
+                          </p:cTn>
+                        </p:par>
+                      </p:childTnLst>
+                    </p:cTn>
+                  </p:par>
+                  <p:par>
+                    <p:cTn id="8" fill="hold">
+                      <p:stCondLst>
+                        <p:cond delay="indefinite"/>
+                      </p:stCondLst>
+                      <p:childTnLst>
+                        <p:par>
+                          <p:cTn id="9" fill="hold">
+                            <p:stCondLst>
+                              <p:cond delay="0"/>
+                            </p:stCondLst>
+                            <p:childTnLst>
+                              <p:par>
+                                <p:cTn id="10" presetID="10" presetClass="entr" presetSubtype="0" fill="hold" nodeType="clickEffect">
+                                  <p:stCondLst>
+                                    <p:cond delay="0"/>
+                                  </p:stCondLst>
+                                  <p:childTnLst>
+                                    <p:set>
+                                      <p:cBhvr>
+                                        <p:cTn id="11" dur="1" fill="hold">
+                                          <p:stCondLst>
+                                            <p:cond delay="0"/>
+                                          </p:stCondLst>
+                                        </p:cTn>
+                                        <p:tgtEl>
+                                          <p:spTgt spid="22"/>
+                                        </p:tgtEl>
+                                        <p:attrNameLst>
+                                          <p:attrName>style.visibility</p:attrName>
+                                        </p:attrNameLst>
+                                      </p:cBhvr>
+                                      <p:to>
+                                        <p:strVal val="visible"/>
+                                      </p:to>
+                                    </p:set>
+                                    <p:animEffect transition="in" filter="fade">
+                                      <p:cBhvr>
+                                        <p:cTn id="12" dur="250"/>
+                                        <p:tgtEl>
+                                          <p:spTgt spid="22"/>
+                                        </p:tgtEl>
+                                      </p:cBhvr>
+                                    </p:animEffect>
+                                  </p:childTnLst>
+                                </p:cTn>
+                              </p:par>
+                            </p:childTnLst>
+                          </p:cTn>
+                        </p:par>
+                      </p:childTnLst>
+                    </p:cTn>
+                  </p:par>
+                  <p:par>
+                    <p:cTn id="13" fill="hold">
+                      <p:stCondLst>
+                        <p:cond delay="indefinite"/>
+                      </p:stCondLst>
+                      <p:childTnLst>
+                        <p:par>
+                          <p:cTn id="14" fill="hold">
+                            <p:stCondLst>
+                              <p:cond delay="0"/>
+                            </p:stCondLst>
+                            <p:childTnLst>
+                              <p:par>
+                                <p:cTn id="15" presetID="10" presetClass="entr" presetSubtype="0" fill="hold" nodeType="clickEffect">
+                                  <p:stCondLst>
+                                    <p:cond delay="0"/>
+                                  </p:stCondLst>
+                                  <p:childTnLst>
+                                    <p:set>
+                                      <p:cBhvr>
+                                        <p:cTn id="16" dur="1" fill="hold">
+                                          <p:stCondLst>
+                                            <p:cond delay="0"/>
+                                          </p:stCondLst>
+                                        </p:cTn>
+                                        <p:tgtEl>
+                                          <p:spTgt spid="24"/>
+                                        </p:tgtEl>
+                                        <p:attrNameLst>
+                                          <p:attrName>style.visibility</p:attrName>
+                                        </p:attrNameLst>
+                                      </p:cBhvr>
+                                      <p:to>
+                                        <p:strVal val="visible"/>
+                                      </p:to>
+                                    </p:set>
+                                    <p:animEffect transition="in" filter="fade">
+                                      <p:cBhvr>
+                                        <p:cTn id="17" dur="250"/>
+                                        <p:tgtEl>
+                                          <p:spTgt spid="24"/>
+                                        </p:tgtEl>
+                                      </p:cBhvr>
+                                    </p:animEffect>
+                                  </p:childTnLst>
+                                </p:cTn>
+                              </p:par>
+                            </p:childTnLst>
+                          </p:cTn>
+                        </p:par>
+                      </p:childTnLst>
+                    </p:cTn>
+                  </p:par>
+                  <p:par>
+                    <p:cTn id="18" fill="hold">
+                      <p:stCondLst>
+                        <p:cond delay="indefinite"/>
+                      </p:stCondLst>
+                      <p:childTnLst>
+                        <p:par>
+                          <p:cTn id="19" fill="hold">
+                            <p:stCondLst>
+                              <p:cond delay="0"/>
+                            </p:stCondLst>
+                            <p:childTnLst>
+                              <p:par>
+                                <p:cTn id="20" presetID="10" presetClass="entr" presetSubtype="0" fill="hold" nodeType="clickEffect">
+                                  <p:stCondLst>
+                                    <p:cond delay="0"/>
+                                  </p:stCondLst>
+                                  <p:childTnLst>
+                                    <p:set>
+                                      <p:cBhvr>
+                                        <p:cTn id="21" dur="1" fill="hold">
+                                          <p:stCondLst>
+                                            <p:cond delay="0"/>
+                                          </p:stCondLst>
+                                        </p:cTn>
+                                        <p:tgtEl>
+                                          <p:spTgt spid="26"/>
+                                        </p:tgtEl>
+                                        <p:attrNameLst>
+                                          <p:attrName>style.visibility</p:attrName>
+                                        </p:attrNameLst>
+                                      </p:cBhvr>
+                                      <p:to>
+                                        <p:strVal val="visible"/>
+                                      </p:to>
+                                    </p:set>
+                                    <p:animEffect transition="in" filter="fade">
+                                      <p:cBhvr>
+                                        <p:cTn id="22" dur="250"/>
+                                        <p:tgtEl>
+                                          <p:spTgt spid="26"/>
+                                        </p:tgtEl>
+                                      </p:cBhvr>
+                                    </p:animEffect>
+                                  </p:childTnLst>
+                                </p:cTn>
+                              </p:par>
+                            </p:childTnLst>
+                          </p:cTn>
+                        </p:par>
+                      </p:childTnLst>
+                    </p:cTn>
+                  </p:par>
+                  <p:par>
+                    <p:cTn id="23" fill="hold">
+                      <p:stCondLst>
+                        <p:cond delay="indefinite"/>
+                      </p:stCondLst>
+                      <p:childTnLst>
+                        <p:par>
+                          <p:cTn id="24" fill="hold">
+                            <p:stCondLst>
+                              <p:cond delay="0"/>
+                            </p:stCondLst>
+                            <p:childTnLst>
+                              <p:par>
+                                <p:cTn id="25" presetID="10" presetClass="entr" presetSubtype="0" fill="hold" nodeType="clickEffect">
+                                  <p:stCondLst>
+                                    <p:cond delay="0"/>
+                                  </p:stCondLst>
+                                  <p:childTnLst>
+                                    <p:set>
+                                      <p:cBhvr>
+                                        <p:cTn id="26" dur="1" fill="hold">
+                                          <p:stCondLst>
+                                            <p:cond delay="0"/>
+                                          </p:stCondLst>
+                                        </p:cTn>
+                                        <p:tgtEl>
+                                          <p:spTgt spid="28"/>
+                                        </p:tgtEl>
+                                        <p:attrNameLst>
+                                          <p:attrName>style.visibility</p:attrName>
+                                        </p:attrNameLst>
+                                      </p:cBhvr>
+                                      <p:to>
+                                        <p:strVal val="visible"/>
+                                      </p:to>
+                                    </p:set>
+                                    <p:animEffect transition="in" filter="fade">
+                                      <p:cBhvr>
+                                        <p:cTn id="27" dur="250"/>
+                                        <p:tgtEl>
+                                          <p:spTgt spid="28"/>
+                                        </p:tgtEl>
+                                      </p:cBhvr>
+                                    </p:animEffect>
+                                  </p:childTnLst>
+                                </p:cTn>
+                              </p:par>
+                            </p:childTnLst>
+                          </p:cTn>
+                        </p:par>
+                      </p:childTnLst>
+                    </p:cTn>
+                  </p:par>
+                </p:childTnLst>
+              </p:cTn>
+              <p:prevCondLst>
+                <p:cond evt="onPrev" delay="0">
+                  <p:tgtEl>
+                    <p:sldTgt/>
+                  </p:tgtEl>
+                </p:cond>
+              </p:prevCondLst>
+              <p:nextCondLst>
+                <p:cond evt="onNext" delay="0">
+                  <p:tgtEl>
+                    <p:sldTgt/>
+                  </p:tgtEl>
+                </p:cond>
+              </p:nextCondLst>
+            </p:seq>
+          </p:childTnLst>
+        </p:cTn>
+      </p:par>
+    </p:tnLst>
+  </p:timing>
 </p:sld>
 </file>
 
@@ -10358,10 +11803,10 @@
             </a:pathLst>
           </a:custGeom>
           <a:blipFill>
-            <a:blip r:embed="rId2">
+            <a:blip r:embed="rId3">
               <a:extLst>
                 <a:ext uri="{96DAC541-7B7A-43D3-8B79-37D633B846F1}">
-                  <asvg:svgBlip xmlns:asvg="http://schemas.microsoft.com/office/drawing/2016/SVG/main" r:embed="rId3"/>
+                  <asvg:svgBlip xmlns:asvg="http://schemas.microsoft.com/office/drawing/2016/SVG/main" r:embed="rId4"/>
                 </a:ext>
               </a:extLst>
             </a:blip>
@@ -10370,6 +11815,13 @@
             </a:stretch>
           </a:blipFill>
         </p:spPr>
+        <p:txBody>
+          <a:bodyPr/>
+          <a:lstStyle/>
+          <a:p>
+            <a:endParaRPr lang="zh-CN" altLang="en-US"/>
+          </a:p>
+        </p:txBody>
       </p:sp>
       <p:sp>
         <p:nvSpPr>
@@ -10410,11 +11862,11 @@
             </a:pathLst>
           </a:custGeom>
           <a:blipFill>
-            <a:blip r:embed="rId4">
+            <a:blip r:embed="rId5">
               <a:alphaModFix amt="30000"/>
               <a:extLst>
                 <a:ext uri="{96DAC541-7B7A-43D3-8B79-37D633B846F1}">
-                  <asvg:svgBlip xmlns:asvg="http://schemas.microsoft.com/office/drawing/2016/SVG/main" r:embed="rId5"/>
+                  <asvg:svgBlip xmlns:asvg="http://schemas.microsoft.com/office/drawing/2016/SVG/main" r:embed="rId6"/>
                 </a:ext>
               </a:extLst>
             </a:blip>
@@ -10423,6 +11875,13 @@
             </a:stretch>
           </a:blipFill>
         </p:spPr>
+        <p:txBody>
+          <a:bodyPr/>
+          <a:lstStyle/>
+          <a:p>
+            <a:endParaRPr lang="zh-CN" altLang="en-US"/>
+          </a:p>
+        </p:txBody>
       </p:sp>
       <p:sp>
         <p:nvSpPr>
@@ -10463,11 +11922,11 @@
             </a:pathLst>
           </a:custGeom>
           <a:blipFill>
-            <a:blip r:embed="rId4">
+            <a:blip r:embed="rId5">
               <a:alphaModFix amt="61000"/>
               <a:extLst>
                 <a:ext uri="{96DAC541-7B7A-43D3-8B79-37D633B846F1}">
-                  <asvg:svgBlip xmlns:asvg="http://schemas.microsoft.com/office/drawing/2016/SVG/main" r:embed="rId5"/>
+                  <asvg:svgBlip xmlns:asvg="http://schemas.microsoft.com/office/drawing/2016/SVG/main" r:embed="rId6"/>
                 </a:ext>
               </a:extLst>
             </a:blip>
@@ -10476,6 +11935,13 @@
             </a:stretch>
           </a:blipFill>
         </p:spPr>
+        <p:txBody>
+          <a:bodyPr/>
+          <a:lstStyle/>
+          <a:p>
+            <a:endParaRPr lang="zh-CN" altLang="en-US"/>
+          </a:p>
+        </p:txBody>
       </p:sp>
       <p:sp>
         <p:nvSpPr>
@@ -10516,10 +11982,10 @@
             </a:pathLst>
           </a:custGeom>
           <a:blipFill>
-            <a:blip r:embed="rId6">
+            <a:blip r:embed="rId7">
               <a:extLst>
                 <a:ext uri="{96DAC541-7B7A-43D3-8B79-37D633B846F1}">
-                  <asvg:svgBlip xmlns:asvg="http://schemas.microsoft.com/office/drawing/2016/SVG/main" r:embed="rId7"/>
+                  <asvg:svgBlip xmlns:asvg="http://schemas.microsoft.com/office/drawing/2016/SVG/main" r:embed="rId8"/>
                 </a:ext>
               </a:extLst>
             </a:blip>
@@ -10528,6 +11994,13 @@
             </a:stretch>
           </a:blipFill>
         </p:spPr>
+        <p:txBody>
+          <a:bodyPr/>
+          <a:lstStyle/>
+          <a:p>
+            <a:endParaRPr lang="zh-CN" altLang="en-US"/>
+          </a:p>
+        </p:txBody>
       </p:sp>
       <p:sp>
         <p:nvSpPr>
@@ -10568,10 +12041,10 @@
             </a:pathLst>
           </a:custGeom>
           <a:blipFill>
-            <a:blip r:embed="rId6">
+            <a:blip r:embed="rId7">
               <a:extLst>
                 <a:ext uri="{96DAC541-7B7A-43D3-8B79-37D633B846F1}">
-                  <asvg:svgBlip xmlns:asvg="http://schemas.microsoft.com/office/drawing/2016/SVG/main" r:embed="rId7"/>
+                  <asvg:svgBlip xmlns:asvg="http://schemas.microsoft.com/office/drawing/2016/SVG/main" r:embed="rId8"/>
                 </a:ext>
               </a:extLst>
             </a:blip>
@@ -10580,6 +12053,13 @@
             </a:stretch>
           </a:blipFill>
         </p:spPr>
+        <p:txBody>
+          <a:bodyPr/>
+          <a:lstStyle/>
+          <a:p>
+            <a:endParaRPr lang="zh-CN" altLang="en-US"/>
+          </a:p>
+        </p:txBody>
       </p:sp>
       <p:sp>
         <p:nvSpPr>
@@ -10620,10 +12100,10 @@
             </a:pathLst>
           </a:custGeom>
           <a:blipFill>
-            <a:blip r:embed="rId8">
+            <a:blip r:embed="rId9">
               <a:extLst>
                 <a:ext uri="{96DAC541-7B7A-43D3-8B79-37D633B846F1}">
-                  <asvg:svgBlip xmlns:asvg="http://schemas.microsoft.com/office/drawing/2016/SVG/main" r:embed="rId9"/>
+                  <asvg:svgBlip xmlns:asvg="http://schemas.microsoft.com/office/drawing/2016/SVG/main" r:embed="rId10"/>
                 </a:ext>
               </a:extLst>
             </a:blip>
@@ -10632,6 +12112,13 @@
             </a:stretch>
           </a:blipFill>
         </p:spPr>
+        <p:txBody>
+          <a:bodyPr/>
+          <a:lstStyle/>
+          <a:p>
+            <a:endParaRPr lang="zh-CN" altLang="en-US"/>
+          </a:p>
+        </p:txBody>
       </p:sp>
       <p:sp>
         <p:nvSpPr>
@@ -10669,7 +12156,7 @@
                 <a:cs typeface="Biski Ultra-Bold"/>
                 <a:sym typeface="Biski Ultra-Bold"/>
               </a:rPr>
-              <a:t>BECOME COMPETITIVE</a:t>
+              <a:t>CUSTOMER REVIEWS</a:t>
             </a:r>
           </a:p>
         </p:txBody>
@@ -10713,11 +12200,11 @@
             </a:pathLst>
           </a:custGeom>
           <a:blipFill>
-            <a:blip r:embed="rId4">
+            <a:blip r:embed="rId5">
               <a:alphaModFix amt="61000"/>
               <a:extLst>
                 <a:ext uri="{96DAC541-7B7A-43D3-8B79-37D633B846F1}">
-                  <asvg:svgBlip xmlns:asvg="http://schemas.microsoft.com/office/drawing/2016/SVG/main" r:embed="rId5"/>
+                  <asvg:svgBlip xmlns:asvg="http://schemas.microsoft.com/office/drawing/2016/SVG/main" r:embed="rId6"/>
                 </a:ext>
               </a:extLst>
             </a:blip>
@@ -10726,6 +12213,13 @@
             </a:stretch>
           </a:blipFill>
         </p:spPr>
+        <p:txBody>
+          <a:bodyPr/>
+          <a:lstStyle/>
+          <a:p>
+            <a:endParaRPr lang="zh-CN" altLang="en-US"/>
+          </a:p>
+        </p:txBody>
       </p:sp>
       <p:sp>
         <p:nvSpPr>
@@ -10766,10 +12260,10 @@
             </a:pathLst>
           </a:custGeom>
           <a:blipFill>
-            <a:blip r:embed="rId10">
+            <a:blip r:embed="rId11">
               <a:extLst>
                 <a:ext uri="{96DAC541-7B7A-43D3-8B79-37D633B846F1}">
-                  <asvg:svgBlip xmlns:asvg="http://schemas.microsoft.com/office/drawing/2016/SVG/main" r:embed="rId11"/>
+                  <asvg:svgBlip xmlns:asvg="http://schemas.microsoft.com/office/drawing/2016/SVG/main" r:embed="rId12"/>
                 </a:ext>
               </a:extLst>
             </a:blip>
@@ -10778,6 +12272,13 @@
             </a:stretch>
           </a:blipFill>
         </p:spPr>
+        <p:txBody>
+          <a:bodyPr/>
+          <a:lstStyle/>
+          <a:p>
+            <a:endParaRPr lang="zh-CN" altLang="en-US"/>
+          </a:p>
+        </p:txBody>
       </p:sp>
       <p:sp>
         <p:nvSpPr>
@@ -10788,7 +12289,7 @@
         <p:spPr>
           <a:xfrm>
             <a:off x="8176175" y="2863328"/>
-            <a:ext cx="9083125" cy="5029200"/>
+            <a:ext cx="9083125" cy="6463308"/>
           </a:xfrm>
           <a:prstGeom prst="rect">
             <a:avLst/>
@@ -10806,7 +12307,7 @@
               </a:lnSpc>
             </a:pPr>
             <a:r>
-              <a:rPr lang="en-US" sz="3000">
+              <a:rPr lang="en-US" sz="3000" dirty="0">
                 <a:solidFill>
                   <a:srgbClr val="291B25"/>
                 </a:solidFill>
@@ -10815,7 +12316,7 @@
                 <a:cs typeface="Biski"/>
                 <a:sym typeface="Biski"/>
               </a:rPr>
-              <a:t>Learn from existing stores:</a:t>
+              <a:t>Negative: </a:t>
             </a:r>
           </a:p>
           <a:p>
@@ -10827,7 +12328,7 @@
               <a:buChar char="•"/>
             </a:pPr>
             <a:r>
-              <a:rPr lang="en-US" sz="3000">
+              <a:rPr lang="en-US" sz="3000" dirty="0">
                 <a:solidFill>
                   <a:srgbClr val="291B25"/>
                 </a:solidFill>
@@ -10836,7 +12337,7 @@
                 <a:cs typeface="Biski"/>
                 <a:sym typeface="Biski"/>
               </a:rPr>
-              <a:t>Friendly to customers</a:t>
+              <a:t>Only accept cash</a:t>
             </a:r>
           </a:p>
           <a:p>
@@ -10848,7 +12349,7 @@
               <a:buChar char="•"/>
             </a:pPr>
             <a:r>
-              <a:rPr lang="en-US" sz="3000">
+              <a:rPr lang="en-US" sz="3000" dirty="0">
                 <a:solidFill>
                   <a:srgbClr val="291B25"/>
                 </a:solidFill>
@@ -10857,16 +12358,30 @@
                 <a:cs typeface="Biski"/>
                 <a:sym typeface="Biski"/>
               </a:rPr>
-              <a:t>Offer discounts &amp; Hold events</a:t>
-            </a:r>
-          </a:p>
-          <a:p>
-            <a:pPr algn="l">
+              <a:t>Unsure which toys are in the store</a:t>
+            </a:r>
+          </a:p>
+          <a:p>
+            <a:pPr marL="647700" lvl="1" indent="-323850" algn="l">
               <a:lnSpc>
                 <a:spcPts val="4200"/>
               </a:lnSpc>
+              <a:buFont typeface="Arial"/>
+              <a:buChar char="•"/>
             </a:pPr>
-            <a:endParaRPr lang="en-US" sz="3000">
+            <a:r>
+              <a:rPr lang="en-US" altLang="zh-CN" sz="3000" dirty="0">
+                <a:solidFill>
+                  <a:srgbClr val="291B25"/>
+                </a:solidFill>
+                <a:latin typeface="Biski"/>
+                <a:ea typeface="Biski"/>
+                <a:cs typeface="Biski"/>
+                <a:sym typeface="Biski"/>
+              </a:rPr>
+              <a:t>Poor service</a:t>
+            </a:r>
+            <a:endParaRPr lang="en-US" sz="3000" dirty="0">
               <a:solidFill>
                 <a:srgbClr val="291B25"/>
               </a:solidFill>
@@ -10882,8 +12397,24 @@
                 <a:spcPts val="4200"/>
               </a:lnSpc>
             </a:pPr>
-            <a:r>
-              <a:rPr lang="en-US" sz="3000">
+            <a:endParaRPr lang="en-US" sz="3000" dirty="0">
+              <a:solidFill>
+                <a:srgbClr val="291B25"/>
+              </a:solidFill>
+              <a:latin typeface="Biski"/>
+              <a:ea typeface="Biski"/>
+              <a:cs typeface="Biski"/>
+              <a:sym typeface="Biski"/>
+            </a:endParaRPr>
+          </a:p>
+          <a:p>
+            <a:pPr algn="l">
+              <a:lnSpc>
+                <a:spcPts val="4200"/>
+              </a:lnSpc>
+            </a:pPr>
+            <a:r>
+              <a:rPr lang="en-US" sz="3000" dirty="0">
                 <a:solidFill>
                   <a:srgbClr val="291B25"/>
                 </a:solidFill>
@@ -10892,7 +12423,7 @@
                 <a:cs typeface="Biski"/>
                 <a:sym typeface="Biski"/>
               </a:rPr>
-              <a:t>Gain special advantages:</a:t>
+              <a:t>Positive: </a:t>
             </a:r>
           </a:p>
           <a:p>
@@ -10904,7 +12435,7 @@
               <a:buChar char="•"/>
             </a:pPr>
             <a:r>
-              <a:rPr lang="en-US" sz="3000">
+              <a:rPr lang="en-US" sz="3000" dirty="0">
                 <a:solidFill>
                   <a:srgbClr val="291B25"/>
                 </a:solidFill>
@@ -10913,7 +12444,7 @@
                 <a:cs typeface="Biski"/>
                 <a:sym typeface="Biski"/>
               </a:rPr>
-              <a:t>Digitalization of products list</a:t>
+              <a:t>Free gift wrapping</a:t>
             </a:r>
           </a:p>
           <a:p>
@@ -10925,7 +12456,7 @@
               <a:buChar char="•"/>
             </a:pPr>
             <a:r>
-              <a:rPr lang="en-US" sz="3000">
+              <a:rPr lang="en-US" sz="3000" dirty="0">
                 <a:solidFill>
                   <a:srgbClr val="291B25"/>
                 </a:solidFill>
@@ -10934,7 +12465,7 @@
                 <a:cs typeface="Biski"/>
                 <a:sym typeface="Biski"/>
               </a:rPr>
-              <a:t>Accept cash, card, phone, etc. </a:t>
+              <a:t>Birthday party</a:t>
             </a:r>
           </a:p>
           <a:p>
@@ -10946,7 +12477,7 @@
               <a:buChar char="•"/>
             </a:pPr>
             <a:r>
-              <a:rPr lang="en-US" sz="3000">
+              <a:rPr lang="en-US" sz="3000" dirty="0">
                 <a:solidFill>
                   <a:srgbClr val="291B25"/>
                 </a:solidFill>
@@ -10955,7 +12486,70 @@
                 <a:cs typeface="Biski"/>
                 <a:sym typeface="Biski"/>
               </a:rPr>
-              <a:t>Offer other services (e.g., gift wrapping, gift purchase consulting, etc.)</a:t>
+              <a:t>Friendly staff</a:t>
+            </a:r>
+          </a:p>
+          <a:p>
+            <a:pPr marL="647700" lvl="1" indent="-323850" algn="l">
+              <a:lnSpc>
+                <a:spcPts val="4200"/>
+              </a:lnSpc>
+              <a:buFont typeface="Arial"/>
+              <a:buChar char="•"/>
+            </a:pPr>
+            <a:r>
+              <a:rPr lang="en-US" sz="3000" dirty="0">
+                <a:solidFill>
+                  <a:srgbClr val="291B25"/>
+                </a:solidFill>
+                <a:latin typeface="Biski"/>
+                <a:ea typeface="Biski"/>
+                <a:cs typeface="Biski"/>
+                <a:sym typeface="Biski"/>
+              </a:rPr>
+              <a:t>Email list for discount coupons</a:t>
+            </a:r>
+          </a:p>
+          <a:p>
+            <a:pPr marL="647700" lvl="1" indent="-323850" algn="l">
+              <a:lnSpc>
+                <a:spcPts val="4200"/>
+              </a:lnSpc>
+              <a:buFont typeface="Arial"/>
+              <a:buChar char="•"/>
+            </a:pPr>
+            <a:r>
+              <a:rPr lang="en-US" sz="3000" dirty="0">
+                <a:solidFill>
+                  <a:srgbClr val="291B25"/>
+                </a:solidFill>
+                <a:latin typeface="Biski"/>
+                <a:ea typeface="Biski"/>
+                <a:cs typeface="Biski"/>
+                <a:sym typeface="Biski"/>
+              </a:rPr>
+              <a:t>Fantastic prices</a:t>
+            </a:r>
+          </a:p>
+          <a:p>
+            <a:pPr marL="647700" lvl="1" indent="-323850" algn="l">
+              <a:lnSpc>
+                <a:spcPts val="4200"/>
+              </a:lnSpc>
+              <a:buFont typeface="Arial"/>
+              <a:buChar char="•"/>
+            </a:pPr>
+            <a:r>
+              <a:rPr lang="en-US" sz="3000" dirty="0">
+                <a:solidFill>
+                  <a:srgbClr val="291B25"/>
+                </a:solidFill>
+                <a:latin typeface="Biski"/>
+                <a:ea typeface="Biski"/>
+                <a:cs typeface="Biski"/>
+                <a:sym typeface="Biski"/>
+              </a:rPr>
+              <a:t>Chain store</a:t>
             </a:r>
           </a:p>
         </p:txBody>
@@ -11034,7 +12628,7 @@
     <p:bg>
       <p:bgPr>
         <a:solidFill>
-          <a:srgbClr val="F6F6E9"/>
+          <a:srgbClr val="61A6AB"/>
         </a:solidFill>
         <a:effectLst/>
       </p:bgPr>
@@ -11053,254 +12647,16 @@
           <a:chExt cx="0" cy="0"/>
         </a:xfrm>
       </p:grpSpPr>
-      <p:grpSp>
-        <p:nvGrpSpPr>
-          <p:cNvPr id="2" name="Group 2"/>
-          <p:cNvGrpSpPr/>
-          <p:nvPr/>
-        </p:nvGrpSpPr>
-        <p:grpSpPr>
-          <a:xfrm>
-            <a:off x="-578633" y="8532789"/>
-            <a:ext cx="19378631" cy="3618302"/>
-            <a:chOff x="0" y="0"/>
-            <a:chExt cx="25838175" cy="4824403"/>
-          </a:xfrm>
-        </p:grpSpPr>
-        <p:sp>
-          <p:nvSpPr>
-            <p:cNvPr id="3" name="Freeform 3"/>
-            <p:cNvSpPr/>
-            <p:nvPr/>
-          </p:nvSpPr>
-          <p:spPr>
-            <a:xfrm>
-              <a:off x="0" y="0"/>
-              <a:ext cx="13677431" cy="4824403"/>
-            </a:xfrm>
-            <a:custGeom>
-              <a:avLst/>
-              <a:gdLst/>
-              <a:ahLst/>
-              <a:cxnLst/>
-              <a:rect l="l" t="t" r="r" b="b"/>
-              <a:pathLst>
-                <a:path w="13677431" h="4824403">
-                  <a:moveTo>
-                    <a:pt x="0" y="0"/>
-                  </a:moveTo>
-                  <a:lnTo>
-                    <a:pt x="13677431" y="0"/>
-                  </a:lnTo>
-                  <a:lnTo>
-                    <a:pt x="13677431" y="4824403"/>
-                  </a:lnTo>
-                  <a:lnTo>
-                    <a:pt x="0" y="4824403"/>
-                  </a:lnTo>
-                  <a:lnTo>
-                    <a:pt x="0" y="0"/>
-                  </a:lnTo>
-                  <a:close/>
-                </a:path>
-              </a:pathLst>
-            </a:custGeom>
-            <a:blipFill>
-              <a:blip r:embed="rId2">
-                <a:extLst>
-                  <a:ext uri="{96DAC541-7B7A-43D3-8B79-37D633B846F1}">
-                    <asvg:svgBlip xmlns:asvg="http://schemas.microsoft.com/office/drawing/2016/SVG/main" r:embed="rId3"/>
-                  </a:ext>
-                </a:extLst>
-              </a:blip>
-              <a:stretch>
-                <a:fillRect/>
-              </a:stretch>
-            </a:blipFill>
-          </p:spPr>
-        </p:sp>
-        <p:sp>
-          <p:nvSpPr>
-            <p:cNvPr id="4" name="Freeform 4"/>
-            <p:cNvSpPr/>
-            <p:nvPr/>
-          </p:nvSpPr>
-          <p:spPr>
-            <a:xfrm>
-              <a:off x="12844807" y="0"/>
-              <a:ext cx="12993368" cy="4824403"/>
-            </a:xfrm>
-            <a:custGeom>
-              <a:avLst/>
-              <a:gdLst/>
-              <a:ahLst/>
-              <a:cxnLst/>
-              <a:rect l="l" t="t" r="r" b="b"/>
-              <a:pathLst>
-                <a:path w="12993368" h="4824403">
-                  <a:moveTo>
-                    <a:pt x="0" y="0"/>
-                  </a:moveTo>
-                  <a:lnTo>
-                    <a:pt x="12993368" y="0"/>
-                  </a:lnTo>
-                  <a:lnTo>
-                    <a:pt x="12993368" y="4824403"/>
-                  </a:lnTo>
-                  <a:lnTo>
-                    <a:pt x="0" y="4824403"/>
-                  </a:lnTo>
-                  <a:lnTo>
-                    <a:pt x="0" y="0"/>
-                  </a:lnTo>
-                  <a:close/>
-                </a:path>
-              </a:pathLst>
-            </a:custGeom>
-            <a:blipFill>
-              <a:blip r:embed="rId2">
-                <a:extLst>
-                  <a:ext uri="{96DAC541-7B7A-43D3-8B79-37D633B846F1}">
-                    <asvg:svgBlip xmlns:asvg="http://schemas.microsoft.com/office/drawing/2016/SVG/main" r:embed="rId3"/>
-                  </a:ext>
-                </a:extLst>
-              </a:blip>
-              <a:stretch>
-                <a:fillRect l="-5264"/>
-              </a:stretch>
-            </a:blipFill>
-          </p:spPr>
-        </p:sp>
-      </p:grpSp>
-      <p:grpSp>
-        <p:nvGrpSpPr>
-          <p:cNvPr id="5" name="Group 5"/>
-          <p:cNvGrpSpPr/>
-          <p:nvPr/>
-        </p:nvGrpSpPr>
-        <p:grpSpPr>
-          <a:xfrm rot="-10800000">
-            <a:off x="-578633" y="-1809151"/>
-            <a:ext cx="19378631" cy="3618302"/>
-            <a:chOff x="0" y="0"/>
-            <a:chExt cx="25838175" cy="4824403"/>
-          </a:xfrm>
-        </p:grpSpPr>
-        <p:sp>
-          <p:nvSpPr>
-            <p:cNvPr id="6" name="Freeform 6"/>
-            <p:cNvSpPr/>
-            <p:nvPr/>
-          </p:nvSpPr>
-          <p:spPr>
-            <a:xfrm>
-              <a:off x="0" y="0"/>
-              <a:ext cx="13677431" cy="4824403"/>
-            </a:xfrm>
-            <a:custGeom>
-              <a:avLst/>
-              <a:gdLst/>
-              <a:ahLst/>
-              <a:cxnLst/>
-              <a:rect l="l" t="t" r="r" b="b"/>
-              <a:pathLst>
-                <a:path w="13677431" h="4824403">
-                  <a:moveTo>
-                    <a:pt x="0" y="0"/>
-                  </a:moveTo>
-                  <a:lnTo>
-                    <a:pt x="13677431" y="0"/>
-                  </a:lnTo>
-                  <a:lnTo>
-                    <a:pt x="13677431" y="4824403"/>
-                  </a:lnTo>
-                  <a:lnTo>
-                    <a:pt x="0" y="4824403"/>
-                  </a:lnTo>
-                  <a:lnTo>
-                    <a:pt x="0" y="0"/>
-                  </a:lnTo>
-                  <a:close/>
-                </a:path>
-              </a:pathLst>
-            </a:custGeom>
-            <a:blipFill>
-              <a:blip r:embed="rId4">
-                <a:extLst>
-                  <a:ext uri="{96DAC541-7B7A-43D3-8B79-37D633B846F1}">
-                    <asvg:svgBlip xmlns:asvg="http://schemas.microsoft.com/office/drawing/2016/SVG/main" r:embed="rId5"/>
-                  </a:ext>
-                </a:extLst>
-              </a:blip>
-              <a:stretch>
-                <a:fillRect/>
-              </a:stretch>
-            </a:blipFill>
-          </p:spPr>
-        </p:sp>
-        <p:sp>
-          <p:nvSpPr>
-            <p:cNvPr id="7" name="Freeform 7"/>
-            <p:cNvSpPr/>
-            <p:nvPr/>
-          </p:nvSpPr>
-          <p:spPr>
-            <a:xfrm>
-              <a:off x="12844807" y="0"/>
-              <a:ext cx="12993368" cy="4824403"/>
-            </a:xfrm>
-            <a:custGeom>
-              <a:avLst/>
-              <a:gdLst/>
-              <a:ahLst/>
-              <a:cxnLst/>
-              <a:rect l="l" t="t" r="r" b="b"/>
-              <a:pathLst>
-                <a:path w="12993368" h="4824403">
-                  <a:moveTo>
-                    <a:pt x="0" y="0"/>
-                  </a:moveTo>
-                  <a:lnTo>
-                    <a:pt x="12993368" y="0"/>
-                  </a:lnTo>
-                  <a:lnTo>
-                    <a:pt x="12993368" y="4824403"/>
-                  </a:lnTo>
-                  <a:lnTo>
-                    <a:pt x="0" y="4824403"/>
-                  </a:lnTo>
-                  <a:lnTo>
-                    <a:pt x="0" y="0"/>
-                  </a:lnTo>
-                  <a:close/>
-                </a:path>
-              </a:pathLst>
-            </a:custGeom>
-            <a:blipFill>
-              <a:blip r:embed="rId4">
-                <a:extLst>
-                  <a:ext uri="{96DAC541-7B7A-43D3-8B79-37D633B846F1}">
-                    <asvg:svgBlip xmlns:asvg="http://schemas.microsoft.com/office/drawing/2016/SVG/main" r:embed="rId5"/>
-                  </a:ext>
-                </a:extLst>
-              </a:blip>
-              <a:stretch>
-                <a:fillRect l="-5264"/>
-              </a:stretch>
-            </a:blipFill>
-          </p:spPr>
-        </p:sp>
-      </p:grpSp>
-      <p:sp>
-        <p:nvSpPr>
-          <p:cNvPr id="8" name="Freeform 8"/>
+      <p:sp>
+        <p:nvSpPr>
+          <p:cNvPr id="2" name="Freeform 2"/>
           <p:cNvSpPr/>
           <p:nvPr/>
         </p:nvSpPr>
         <p:spPr>
-          <a:xfrm rot="-665462">
-            <a:off x="1406529" y="3764793"/>
-            <a:ext cx="1062354" cy="797731"/>
+          <a:xfrm>
+            <a:off x="15276829" y="9258300"/>
+            <a:ext cx="1982471" cy="436144"/>
           </a:xfrm>
           <a:custGeom>
             <a:avLst/>
@@ -11309,18 +12665,197 @@
             <a:cxnLst/>
             <a:rect l="l" t="t" r="r" b="b"/>
             <a:pathLst>
-              <a:path w="1062354" h="797731">
+              <a:path w="1982471" h="436144">
                 <a:moveTo>
                   <a:pt x="0" y="0"/>
                 </a:moveTo>
                 <a:lnTo>
-                  <a:pt x="1062354" y="0"/>
-                </a:lnTo>
-                <a:lnTo>
-                  <a:pt x="1062354" y="797731"/>
-                </a:lnTo>
-                <a:lnTo>
-                  <a:pt x="0" y="797731"/>
+                  <a:pt x="1982471" y="0"/>
+                </a:lnTo>
+                <a:lnTo>
+                  <a:pt x="1982471" y="436144"/>
+                </a:lnTo>
+                <a:lnTo>
+                  <a:pt x="0" y="436144"/>
+                </a:lnTo>
+                <a:lnTo>
+                  <a:pt x="0" y="0"/>
+                </a:lnTo>
+                <a:close/>
+              </a:path>
+            </a:pathLst>
+          </a:custGeom>
+          <a:blipFill>
+            <a:blip r:embed="rId2">
+              <a:extLst>
+                <a:ext uri="{96DAC541-7B7A-43D3-8B79-37D633B846F1}">
+                  <asvg:svgBlip xmlns:asvg="http://schemas.microsoft.com/office/drawing/2016/SVG/main" r:embed="rId3"/>
+                </a:ext>
+              </a:extLst>
+            </a:blip>
+            <a:stretch>
+              <a:fillRect/>
+            </a:stretch>
+          </a:blipFill>
+        </p:spPr>
+        <p:txBody>
+          <a:bodyPr/>
+          <a:lstStyle/>
+          <a:p>
+            <a:endParaRPr lang="zh-CN" altLang="en-US"/>
+          </a:p>
+        </p:txBody>
+      </p:sp>
+      <p:sp>
+        <p:nvSpPr>
+          <p:cNvPr id="3" name="Freeform 3"/>
+          <p:cNvSpPr/>
+          <p:nvPr/>
+        </p:nvSpPr>
+        <p:spPr>
+          <a:xfrm>
+            <a:off x="-3563802" y="5605103"/>
+            <a:ext cx="10231026" cy="10231026"/>
+          </a:xfrm>
+          <a:custGeom>
+            <a:avLst/>
+            <a:gdLst/>
+            <a:ahLst/>
+            <a:cxnLst/>
+            <a:rect l="l" t="t" r="r" b="b"/>
+            <a:pathLst>
+              <a:path w="10231026" h="10231026">
+                <a:moveTo>
+                  <a:pt x="0" y="0"/>
+                </a:moveTo>
+                <a:lnTo>
+                  <a:pt x="10231026" y="0"/>
+                </a:lnTo>
+                <a:lnTo>
+                  <a:pt x="10231026" y="10231027"/>
+                </a:lnTo>
+                <a:lnTo>
+                  <a:pt x="0" y="10231027"/>
+                </a:lnTo>
+                <a:lnTo>
+                  <a:pt x="0" y="0"/>
+                </a:lnTo>
+                <a:close/>
+              </a:path>
+            </a:pathLst>
+          </a:custGeom>
+          <a:blipFill>
+            <a:blip r:embed="rId4">
+              <a:alphaModFix amt="30000"/>
+              <a:extLst>
+                <a:ext uri="{96DAC541-7B7A-43D3-8B79-37D633B846F1}">
+                  <asvg:svgBlip xmlns:asvg="http://schemas.microsoft.com/office/drawing/2016/SVG/main" r:embed="rId5"/>
+                </a:ext>
+              </a:extLst>
+            </a:blip>
+            <a:stretch>
+              <a:fillRect/>
+            </a:stretch>
+          </a:blipFill>
+        </p:spPr>
+        <p:txBody>
+          <a:bodyPr/>
+          <a:lstStyle/>
+          <a:p>
+            <a:endParaRPr lang="zh-CN" altLang="en-US"/>
+          </a:p>
+        </p:txBody>
+      </p:sp>
+      <p:sp>
+        <p:nvSpPr>
+          <p:cNvPr id="4" name="Freeform 4"/>
+          <p:cNvSpPr/>
+          <p:nvPr/>
+        </p:nvSpPr>
+        <p:spPr>
+          <a:xfrm>
+            <a:off x="1527374" y="1751320"/>
+            <a:ext cx="5152757" cy="5152757"/>
+          </a:xfrm>
+          <a:custGeom>
+            <a:avLst/>
+            <a:gdLst/>
+            <a:ahLst/>
+            <a:cxnLst/>
+            <a:rect l="l" t="t" r="r" b="b"/>
+            <a:pathLst>
+              <a:path w="5152757" h="5152757">
+                <a:moveTo>
+                  <a:pt x="0" y="0"/>
+                </a:moveTo>
+                <a:lnTo>
+                  <a:pt x="5152757" y="0"/>
+                </a:lnTo>
+                <a:lnTo>
+                  <a:pt x="5152757" y="5152757"/>
+                </a:lnTo>
+                <a:lnTo>
+                  <a:pt x="0" y="5152757"/>
+                </a:lnTo>
+                <a:lnTo>
+                  <a:pt x="0" y="0"/>
+                </a:lnTo>
+                <a:close/>
+              </a:path>
+            </a:pathLst>
+          </a:custGeom>
+          <a:blipFill>
+            <a:blip r:embed="rId4">
+              <a:alphaModFix amt="61000"/>
+              <a:extLst>
+                <a:ext uri="{96DAC541-7B7A-43D3-8B79-37D633B846F1}">
+                  <asvg:svgBlip xmlns:asvg="http://schemas.microsoft.com/office/drawing/2016/SVG/main" r:embed="rId5"/>
+                </a:ext>
+              </a:extLst>
+            </a:blip>
+            <a:stretch>
+              <a:fillRect/>
+            </a:stretch>
+          </a:blipFill>
+        </p:spPr>
+        <p:txBody>
+          <a:bodyPr/>
+          <a:lstStyle/>
+          <a:p>
+            <a:endParaRPr lang="zh-CN" altLang="en-US"/>
+          </a:p>
+        </p:txBody>
+      </p:sp>
+      <p:sp>
+        <p:nvSpPr>
+          <p:cNvPr id="5" name="Freeform 5"/>
+          <p:cNvSpPr/>
+          <p:nvPr/>
+        </p:nvSpPr>
+        <p:spPr>
+          <a:xfrm>
+            <a:off x="1349639" y="2524251"/>
+            <a:ext cx="1144506" cy="1123697"/>
+          </a:xfrm>
+          <a:custGeom>
+            <a:avLst/>
+            <a:gdLst/>
+            <a:ahLst/>
+            <a:cxnLst/>
+            <a:rect l="l" t="t" r="r" b="b"/>
+            <a:pathLst>
+              <a:path w="1144506" h="1123697">
+                <a:moveTo>
+                  <a:pt x="0" y="0"/>
+                </a:moveTo>
+                <a:lnTo>
+                  <a:pt x="1144506" y="0"/>
+                </a:lnTo>
+                <a:lnTo>
+                  <a:pt x="1144506" y="1123698"/>
+                </a:lnTo>
+                <a:lnTo>
+                  <a:pt x="0" y="1123698"/>
                 </a:lnTo>
                 <a:lnTo>
                   <a:pt x="0" y="0"/>
@@ -11342,17 +12877,142 @@
             </a:stretch>
           </a:blipFill>
         </p:spPr>
-      </p:sp>
-      <p:sp>
-        <p:nvSpPr>
-          <p:cNvPr id="9" name="TextBox 9"/>
+        <p:txBody>
+          <a:bodyPr/>
+          <a:lstStyle/>
+          <a:p>
+            <a:endParaRPr lang="zh-CN" altLang="en-US"/>
+          </a:p>
+        </p:txBody>
+      </p:sp>
+      <p:sp>
+        <p:nvSpPr>
+          <p:cNvPr id="6" name="Freeform 6"/>
+          <p:cNvSpPr/>
+          <p:nvPr/>
+        </p:nvSpPr>
+        <p:spPr>
+          <a:xfrm>
+            <a:off x="2494145" y="2212775"/>
+            <a:ext cx="793458" cy="779031"/>
+          </a:xfrm>
+          <a:custGeom>
+            <a:avLst/>
+            <a:gdLst/>
+            <a:ahLst/>
+            <a:cxnLst/>
+            <a:rect l="l" t="t" r="r" b="b"/>
+            <a:pathLst>
+              <a:path w="793458" h="779031">
+                <a:moveTo>
+                  <a:pt x="0" y="0"/>
+                </a:moveTo>
+                <a:lnTo>
+                  <a:pt x="793458" y="0"/>
+                </a:lnTo>
+                <a:lnTo>
+                  <a:pt x="793458" y="779031"/>
+                </a:lnTo>
+                <a:lnTo>
+                  <a:pt x="0" y="779031"/>
+                </a:lnTo>
+                <a:lnTo>
+                  <a:pt x="0" y="0"/>
+                </a:lnTo>
+                <a:close/>
+              </a:path>
+            </a:pathLst>
+          </a:custGeom>
+          <a:blipFill>
+            <a:blip r:embed="rId6">
+              <a:extLst>
+                <a:ext uri="{96DAC541-7B7A-43D3-8B79-37D633B846F1}">
+                  <asvg:svgBlip xmlns:asvg="http://schemas.microsoft.com/office/drawing/2016/SVG/main" r:embed="rId7"/>
+                </a:ext>
+              </a:extLst>
+            </a:blip>
+            <a:stretch>
+              <a:fillRect/>
+            </a:stretch>
+          </a:blipFill>
+        </p:spPr>
+        <p:txBody>
+          <a:bodyPr/>
+          <a:lstStyle/>
+          <a:p>
+            <a:endParaRPr lang="zh-CN" altLang="en-US"/>
+          </a:p>
+        </p:txBody>
+      </p:sp>
+      <p:sp>
+        <p:nvSpPr>
+          <p:cNvPr id="7" name="Freeform 7"/>
+          <p:cNvSpPr/>
+          <p:nvPr/>
+        </p:nvSpPr>
+        <p:spPr>
+          <a:xfrm>
+            <a:off x="1593400" y="6063728"/>
+            <a:ext cx="5020705" cy="876341"/>
+          </a:xfrm>
+          <a:custGeom>
+            <a:avLst/>
+            <a:gdLst/>
+            <a:ahLst/>
+            <a:cxnLst/>
+            <a:rect l="l" t="t" r="r" b="b"/>
+            <a:pathLst>
+              <a:path w="5020705" h="876341">
+                <a:moveTo>
+                  <a:pt x="0" y="0"/>
+                </a:moveTo>
+                <a:lnTo>
+                  <a:pt x="5020705" y="0"/>
+                </a:lnTo>
+                <a:lnTo>
+                  <a:pt x="5020705" y="876342"/>
+                </a:lnTo>
+                <a:lnTo>
+                  <a:pt x="0" y="876342"/>
+                </a:lnTo>
+                <a:lnTo>
+                  <a:pt x="0" y="0"/>
+                </a:lnTo>
+                <a:close/>
+              </a:path>
+            </a:pathLst>
+          </a:custGeom>
+          <a:blipFill>
+            <a:blip r:embed="rId8">
+              <a:extLst>
+                <a:ext uri="{96DAC541-7B7A-43D3-8B79-37D633B846F1}">
+                  <asvg:svgBlip xmlns:asvg="http://schemas.microsoft.com/office/drawing/2016/SVG/main" r:embed="rId9"/>
+                </a:ext>
+              </a:extLst>
+            </a:blip>
+            <a:stretch>
+              <a:fillRect/>
+            </a:stretch>
+          </a:blipFill>
+        </p:spPr>
+        <p:txBody>
+          <a:bodyPr/>
+          <a:lstStyle/>
+          <a:p>
+            <a:endParaRPr lang="zh-CN" altLang="en-US"/>
+          </a:p>
+        </p:txBody>
+      </p:sp>
+      <p:sp>
+        <p:nvSpPr>
+          <p:cNvPr id="8" name="TextBox 8"/>
           <p:cNvSpPr txBox="1"/>
           <p:nvPr/>
         </p:nvSpPr>
         <p:spPr>
           <a:xfrm>
-            <a:off x="1028700" y="4543147"/>
-            <a:ext cx="7162401" cy="1514016"/>
+            <a:off x="8176175" y="1841300"/>
+            <a:ext cx="7490565" cy="934721"/>
           </a:xfrm>
           <a:prstGeom prst="rect">
             <a:avLst/>
@@ -11364,64 +13024,142 @@
           </a:bodyPr>
           <a:lstStyle/>
           <a:p>
-            <a:pPr algn="ctr">
+            <a:pPr algn="l">
               <a:lnSpc>
-                <a:spcPts val="10018"/>
+                <a:spcPts val="5179"/>
               </a:lnSpc>
             </a:pPr>
             <a:r>
-              <a:rPr lang="en-US" sz="9726">
-                <a:solidFill>
-                  <a:srgbClr val="000000"/>
-                </a:solidFill>
-                <a:latin typeface="Funtastic"/>
-                <a:ea typeface="Funtastic"/>
-                <a:cs typeface="Funtastic"/>
-                <a:sym typeface="Funtastic"/>
-              </a:rPr>
-              <a:t>CONCLUSION</a:t>
-            </a:r>
-          </a:p>
-        </p:txBody>
-      </p:sp>
-      <p:sp>
-        <p:nvSpPr>
-          <p:cNvPr id="10" name="TextBox 10"/>
-          <p:cNvSpPr txBox="1"/>
-          <p:nvPr/>
-        </p:nvSpPr>
-        <p:spPr>
-          <a:xfrm>
-            <a:off x="9144000" y="2308658"/>
-            <a:ext cx="2195774" cy="856615"/>
-          </a:xfrm>
-          <a:prstGeom prst="rect">
-            <a:avLst/>
-          </a:prstGeom>
-        </p:spPr>
-        <p:txBody>
-          <a:bodyPr lIns="0" tIns="0" rIns="0" bIns="0" rtlCol="0" anchor="t">
-            <a:spAutoFit/>
-          </a:bodyPr>
-          <a:lstStyle/>
-          <a:p>
-            <a:pPr algn="l">
-              <a:lnSpc>
-                <a:spcPts val="4759"/>
-              </a:lnSpc>
-            </a:pPr>
-            <a:r>
-              <a:rPr lang="en-US" sz="3399" b="1">
+              <a:rPr lang="en-US" sz="3699" b="1">
                 <a:solidFill>
                   <a:srgbClr val="291B25"/>
                 </a:solidFill>
-                <a:latin typeface="Biski Bold"/>
-                <a:ea typeface="Biski Bold"/>
-                <a:cs typeface="Biski Bold"/>
-                <a:sym typeface="Biski Bold"/>
+                <a:latin typeface="Biski Ultra-Bold"/>
+                <a:ea typeface="Biski Ultra-Bold"/>
+                <a:cs typeface="Biski Ultra-Bold"/>
+                <a:sym typeface="Biski Ultra-Bold"/>
               </a:rPr>
-              <a:t>Insights</a:t>
-            </a:r>
+              <a:t>BECOME COMPETITIVE</a:t>
+            </a:r>
+          </a:p>
+        </p:txBody>
+      </p:sp>
+      <p:sp>
+        <p:nvSpPr>
+          <p:cNvPr id="9" name="Freeform 9"/>
+          <p:cNvSpPr/>
+          <p:nvPr/>
+        </p:nvSpPr>
+        <p:spPr>
+          <a:xfrm>
+            <a:off x="14116656" y="-4010085"/>
+            <a:ext cx="7392939" cy="7392939"/>
+          </a:xfrm>
+          <a:custGeom>
+            <a:avLst/>
+            <a:gdLst/>
+            <a:ahLst/>
+            <a:cxnLst/>
+            <a:rect l="l" t="t" r="r" b="b"/>
+            <a:pathLst>
+              <a:path w="7392939" h="7392939">
+                <a:moveTo>
+                  <a:pt x="0" y="0"/>
+                </a:moveTo>
+                <a:lnTo>
+                  <a:pt x="7392939" y="0"/>
+                </a:lnTo>
+                <a:lnTo>
+                  <a:pt x="7392939" y="7392939"/>
+                </a:lnTo>
+                <a:lnTo>
+                  <a:pt x="0" y="7392939"/>
+                </a:lnTo>
+                <a:lnTo>
+                  <a:pt x="0" y="0"/>
+                </a:lnTo>
+                <a:close/>
+              </a:path>
+            </a:pathLst>
+          </a:custGeom>
+          <a:blipFill>
+            <a:blip r:embed="rId4">
+              <a:alphaModFix amt="61000"/>
+              <a:extLst>
+                <a:ext uri="{96DAC541-7B7A-43D3-8B79-37D633B846F1}">
+                  <asvg:svgBlip xmlns:asvg="http://schemas.microsoft.com/office/drawing/2016/SVG/main" r:embed="rId5"/>
+                </a:ext>
+              </a:extLst>
+            </a:blip>
+            <a:stretch>
+              <a:fillRect/>
+            </a:stretch>
+          </a:blipFill>
+        </p:spPr>
+        <p:txBody>
+          <a:bodyPr/>
+          <a:lstStyle/>
+          <a:p>
+            <a:endParaRPr lang="zh-CN" altLang="en-US"/>
+          </a:p>
+        </p:txBody>
+      </p:sp>
+      <p:sp>
+        <p:nvSpPr>
+          <p:cNvPr id="10" name="Freeform 10"/>
+          <p:cNvSpPr/>
+          <p:nvPr/>
+        </p:nvSpPr>
+        <p:spPr>
+          <a:xfrm>
+            <a:off x="15890010" y="671067"/>
+            <a:ext cx="1923116" cy="1853184"/>
+          </a:xfrm>
+          <a:custGeom>
+            <a:avLst/>
+            <a:gdLst/>
+            <a:ahLst/>
+            <a:cxnLst/>
+            <a:rect l="l" t="t" r="r" b="b"/>
+            <a:pathLst>
+              <a:path w="1923116" h="1853184">
+                <a:moveTo>
+                  <a:pt x="0" y="0"/>
+                </a:moveTo>
+                <a:lnTo>
+                  <a:pt x="1923115" y="0"/>
+                </a:lnTo>
+                <a:lnTo>
+                  <a:pt x="1923115" y="1853184"/>
+                </a:lnTo>
+                <a:lnTo>
+                  <a:pt x="0" y="1853184"/>
+                </a:lnTo>
+                <a:lnTo>
+                  <a:pt x="0" y="0"/>
+                </a:lnTo>
+                <a:close/>
+              </a:path>
+            </a:pathLst>
+          </a:custGeom>
+          <a:blipFill>
+            <a:blip r:embed="rId10">
+              <a:extLst>
+                <a:ext uri="{96DAC541-7B7A-43D3-8B79-37D633B846F1}">
+                  <asvg:svgBlip xmlns:asvg="http://schemas.microsoft.com/office/drawing/2016/SVG/main" r:embed="rId11"/>
+                </a:ext>
+              </a:extLst>
+            </a:blip>
+            <a:stretch>
+              <a:fillRect/>
+            </a:stretch>
+          </a:blipFill>
+        </p:spPr>
+        <p:txBody>
+          <a:bodyPr/>
+          <a:lstStyle/>
+          <a:p>
+            <a:endParaRPr lang="zh-CN" altLang="en-US"/>
           </a:p>
         </p:txBody>
       </p:sp>
@@ -11433,8 +13171,8 @@
         </p:nvSpPr>
         <p:spPr>
           <a:xfrm>
-            <a:off x="9110682" y="2908098"/>
-            <a:ext cx="7633521" cy="1295400"/>
+            <a:off x="8176175" y="2863328"/>
+            <a:ext cx="9083125" cy="5029200"/>
           </a:xfrm>
           <a:prstGeom prst="rect">
             <a:avLst/>
@@ -11461,7 +13199,49 @@
                 <a:cs typeface="Biski"/>
                 <a:sym typeface="Biski"/>
               </a:rPr>
-              <a:t>Profitable, but fierce competition</a:t>
+              <a:t>Learn from existing stores:</a:t>
+            </a:r>
+          </a:p>
+          <a:p>
+            <a:pPr marL="647700" lvl="1" indent="-323850" algn="l">
+              <a:lnSpc>
+                <a:spcPts val="4200"/>
+              </a:lnSpc>
+              <a:buFont typeface="Arial"/>
+              <a:buChar char="•"/>
+            </a:pPr>
+            <a:r>
+              <a:rPr lang="en-US" sz="3000">
+                <a:solidFill>
+                  <a:srgbClr val="291B25"/>
+                </a:solidFill>
+                <a:latin typeface="Biski"/>
+                <a:ea typeface="Biski"/>
+                <a:cs typeface="Biski"/>
+                <a:sym typeface="Biski"/>
+              </a:rPr>
+              <a:t>Friendly to customers</a:t>
+            </a:r>
+          </a:p>
+          <a:p>
+            <a:pPr marL="647700" lvl="1" indent="-323850" algn="l">
+              <a:lnSpc>
+                <a:spcPts val="4200"/>
+              </a:lnSpc>
+              <a:buFont typeface="Arial"/>
+              <a:buChar char="•"/>
+            </a:pPr>
+            <a:r>
+              <a:rPr lang="en-US" sz="3000">
+                <a:solidFill>
+                  <a:srgbClr val="291B25"/>
+                </a:solidFill>
+                <a:latin typeface="Biski"/>
+                <a:ea typeface="Biski"/>
+                <a:cs typeface="Biski"/>
+                <a:sym typeface="Biski"/>
+              </a:rPr>
+              <a:t>Offer discounts &amp; Hold events</a:t>
             </a:r>
           </a:p>
           <a:p>
@@ -11480,69 +13260,6 @@
               <a:sym typeface="Biski"/>
             </a:endParaRPr>
           </a:p>
-        </p:txBody>
-      </p:sp>
-      <p:sp>
-        <p:nvSpPr>
-          <p:cNvPr id="12" name="TextBox 12"/>
-          <p:cNvSpPr txBox="1"/>
-          <p:nvPr/>
-        </p:nvSpPr>
-        <p:spPr>
-          <a:xfrm>
-            <a:off x="9110682" y="3908223"/>
-            <a:ext cx="4034250" cy="856615"/>
-          </a:xfrm>
-          <a:prstGeom prst="rect">
-            <a:avLst/>
-          </a:prstGeom>
-        </p:spPr>
-        <p:txBody>
-          <a:bodyPr lIns="0" tIns="0" rIns="0" bIns="0" rtlCol="0" anchor="t">
-            <a:spAutoFit/>
-          </a:bodyPr>
-          <a:lstStyle/>
-          <a:p>
-            <a:pPr algn="l">
-              <a:lnSpc>
-                <a:spcPts val="4759"/>
-              </a:lnSpc>
-            </a:pPr>
-            <a:r>
-              <a:rPr lang="en-US" sz="3399" b="1">
-                <a:solidFill>
-                  <a:srgbClr val="291B25"/>
-                </a:solidFill>
-                <a:latin typeface="Biski Bold"/>
-                <a:ea typeface="Biski Bold"/>
-                <a:cs typeface="Biski Bold"/>
-                <a:sym typeface="Biski Bold"/>
-              </a:rPr>
-              <a:t>Location</a:t>
-            </a:r>
-          </a:p>
-        </p:txBody>
-      </p:sp>
-      <p:sp>
-        <p:nvSpPr>
-          <p:cNvPr id="13" name="TextBox 13"/>
-          <p:cNvSpPr txBox="1"/>
-          <p:nvPr/>
-        </p:nvSpPr>
-        <p:spPr>
-          <a:xfrm>
-            <a:off x="9110682" y="4637589"/>
-            <a:ext cx="6574250" cy="1295400"/>
-          </a:xfrm>
-          <a:prstGeom prst="rect">
-            <a:avLst/>
-          </a:prstGeom>
-        </p:spPr>
-        <p:txBody>
-          <a:bodyPr lIns="0" tIns="0" rIns="0" bIns="0" rtlCol="0" anchor="t">
-            <a:spAutoFit/>
-          </a:bodyPr>
-          <a:lstStyle/>
           <a:p>
             <a:pPr algn="l">
               <a:lnSpc>
@@ -11559,77 +13276,16 @@
                 <a:cs typeface="Biski"/>
                 <a:sym typeface="Biski"/>
               </a:rPr>
-              <a:t>Davisville (postal code M4S) for less competition and more needs</a:t>
-            </a:r>
-          </a:p>
-        </p:txBody>
-      </p:sp>
-      <p:sp>
-        <p:nvSpPr>
-          <p:cNvPr id="14" name="TextBox 14"/>
-          <p:cNvSpPr txBox="1"/>
-          <p:nvPr/>
-        </p:nvSpPr>
-        <p:spPr>
-          <a:xfrm>
-            <a:off x="9110682" y="6328979"/>
-            <a:ext cx="4416759" cy="856615"/>
-          </a:xfrm>
-          <a:prstGeom prst="rect">
-            <a:avLst/>
-          </a:prstGeom>
-        </p:spPr>
-        <p:txBody>
-          <a:bodyPr lIns="0" tIns="0" rIns="0" bIns="0" rtlCol="0" anchor="t">
-            <a:spAutoFit/>
-          </a:bodyPr>
-          <a:lstStyle/>
-          <a:p>
-            <a:pPr algn="l">
-              <a:lnSpc>
-                <a:spcPts val="4759"/>
-              </a:lnSpc>
-            </a:pPr>
-            <a:r>
-              <a:rPr lang="en-US" sz="3399" b="1">
-                <a:solidFill>
-                  <a:srgbClr val="291B25"/>
-                </a:solidFill>
-                <a:latin typeface="Biski Bold"/>
-                <a:ea typeface="Biski Bold"/>
-                <a:cs typeface="Biski Bold"/>
-                <a:sym typeface="Biski Bold"/>
-              </a:rPr>
-              <a:t>Strategy</a:t>
-            </a:r>
-          </a:p>
-        </p:txBody>
-      </p:sp>
-      <p:sp>
-        <p:nvSpPr>
-          <p:cNvPr id="15" name="TextBox 15"/>
-          <p:cNvSpPr txBox="1"/>
-          <p:nvPr/>
-        </p:nvSpPr>
-        <p:spPr>
-          <a:xfrm>
-            <a:off x="9144000" y="6928419"/>
-            <a:ext cx="7126040" cy="762000"/>
-          </a:xfrm>
-          <a:prstGeom prst="rect">
-            <a:avLst/>
-          </a:prstGeom>
-        </p:spPr>
-        <p:txBody>
-          <a:bodyPr lIns="0" tIns="0" rIns="0" bIns="0" rtlCol="0" anchor="t">
-            <a:spAutoFit/>
-          </a:bodyPr>
-          <a:lstStyle/>
-          <a:p>
-            <a:pPr algn="l">
+              <a:t>Gain special advantages:</a:t>
+            </a:r>
+          </a:p>
+          <a:p>
+            <a:pPr marL="647700" lvl="1" indent="-323850" algn="l">
               <a:lnSpc>
                 <a:spcPts val="4200"/>
               </a:lnSpc>
+              <a:buFont typeface="Arial"/>
+              <a:buChar char="•"/>
             </a:pPr>
             <a:r>
               <a:rPr lang="en-US" sz="3000">
@@ -11641,7 +13297,109 @@
                 <a:cs typeface="Biski"/>
                 <a:sym typeface="Biski"/>
               </a:rPr>
-              <a:t>Specialized services, friendy staff, ...</a:t>
+              <a:t>Digitalization of products list</a:t>
+            </a:r>
+          </a:p>
+          <a:p>
+            <a:pPr marL="647700" lvl="1" indent="-323850" algn="l">
+              <a:lnSpc>
+                <a:spcPts val="4200"/>
+              </a:lnSpc>
+              <a:buFont typeface="Arial"/>
+              <a:buChar char="•"/>
+            </a:pPr>
+            <a:r>
+              <a:rPr lang="en-US" sz="3000">
+                <a:solidFill>
+                  <a:srgbClr val="291B25"/>
+                </a:solidFill>
+                <a:latin typeface="Biski"/>
+                <a:ea typeface="Biski"/>
+                <a:cs typeface="Biski"/>
+                <a:sym typeface="Biski"/>
+              </a:rPr>
+              <a:t>Accept cash, card, phone, etc. </a:t>
+            </a:r>
+          </a:p>
+          <a:p>
+            <a:pPr marL="647700" lvl="1" indent="-323850" algn="l">
+              <a:lnSpc>
+                <a:spcPts val="4200"/>
+              </a:lnSpc>
+              <a:buFont typeface="Arial"/>
+              <a:buChar char="•"/>
+            </a:pPr>
+            <a:r>
+              <a:rPr lang="en-US" sz="3000">
+                <a:solidFill>
+                  <a:srgbClr val="291B25"/>
+                </a:solidFill>
+                <a:latin typeface="Biski"/>
+                <a:ea typeface="Biski"/>
+                <a:cs typeface="Biski"/>
+                <a:sym typeface="Biski"/>
+              </a:rPr>
+              <a:t>Offer other services (e.g., gift wrapping, gift purchase consulting, etc.)</a:t>
+            </a:r>
+          </a:p>
+        </p:txBody>
+      </p:sp>
+      <p:sp>
+        <p:nvSpPr>
+          <p:cNvPr id="12" name="TextBox 12"/>
+          <p:cNvSpPr txBox="1"/>
+          <p:nvPr/>
+        </p:nvSpPr>
+        <p:spPr>
+          <a:xfrm>
+            <a:off x="1162709" y="3149455"/>
+            <a:ext cx="6280423" cy="2914274"/>
+          </a:xfrm>
+          <a:prstGeom prst="rect">
+            <a:avLst/>
+          </a:prstGeom>
+        </p:spPr>
+        <p:txBody>
+          <a:bodyPr lIns="0" tIns="0" rIns="0" bIns="0" rtlCol="0" anchor="t">
+            <a:spAutoFit/>
+          </a:bodyPr>
+          <a:lstStyle/>
+          <a:p>
+            <a:pPr algn="ctr">
+              <a:lnSpc>
+                <a:spcPts val="10789"/>
+              </a:lnSpc>
+            </a:pPr>
+            <a:r>
+              <a:rPr lang="en-US" sz="9300">
+                <a:solidFill>
+                  <a:srgbClr val="291B25"/>
+                </a:solidFill>
+                <a:latin typeface="Funtastic"/>
+                <a:ea typeface="Funtastic"/>
+                <a:cs typeface="Funtastic"/>
+                <a:sym typeface="Funtastic"/>
+              </a:rPr>
+              <a:t>Data </a:t>
+            </a:r>
+          </a:p>
+          <a:p>
+            <a:pPr algn="ctr">
+              <a:lnSpc>
+                <a:spcPts val="10789"/>
+              </a:lnSpc>
+            </a:pPr>
+            <a:r>
+              <a:rPr lang="en-US" sz="9300">
+                <a:solidFill>
+                  <a:srgbClr val="291B25"/>
+                </a:solidFill>
+                <a:latin typeface="Funtastic"/>
+                <a:ea typeface="Funtastic"/>
+                <a:cs typeface="Funtastic"/>
+                <a:sym typeface="Funtastic"/>
+              </a:rPr>
+              <a:t>Analysis</a:t>
             </a:r>
           </a:p>
         </p:txBody>
